--- a/Oracle SQL Aware Training Presentation 18th Feb 2023.pptx
+++ b/Oracle SQL Aware Training Presentation 18th Feb 2023.pptx
@@ -5,10 +5,10 @@
     <p:sldMasterId id="2147483648" r:id="rId4"/>
   </p:sldMasterIdLst>
   <p:notesMasterIdLst>
-    <p:notesMasterId r:id="rId34"/>
+    <p:notesMasterId r:id="rId36"/>
   </p:notesMasterIdLst>
   <p:handoutMasterIdLst>
-    <p:handoutMasterId r:id="rId35"/>
+    <p:handoutMasterId r:id="rId37"/>
   </p:handoutMasterIdLst>
   <p:sldIdLst>
     <p:sldId id="256" r:id="rId5"/>
@@ -35,11 +35,13 @@
     <p:sldId id="293" r:id="rId26"/>
     <p:sldId id="294" r:id="rId27"/>
     <p:sldId id="296" r:id="rId28"/>
-    <p:sldId id="286" r:id="rId29"/>
-    <p:sldId id="264" r:id="rId30"/>
-    <p:sldId id="298" r:id="rId31"/>
-    <p:sldId id="260" r:id="rId32"/>
-    <p:sldId id="271" r:id="rId33"/>
+    <p:sldId id="389" r:id="rId29"/>
+    <p:sldId id="388" r:id="rId30"/>
+    <p:sldId id="286" r:id="rId31"/>
+    <p:sldId id="264" r:id="rId32"/>
+    <p:sldId id="298" r:id="rId33"/>
+    <p:sldId id="260" r:id="rId34"/>
+    <p:sldId id="271" r:id="rId35"/>
   </p:sldIdLst>
   <p:sldSz cx="12192000" cy="6858000"/>
   <p:notesSz cx="6858000" cy="9144000"/>
@@ -243,7 +245,7 @@
           <a:p>
             <a:fld id="{B56F32FC-4BD9-442A-A8C6-51598C909FE3}" type="datetimeFigureOut">
               <a:rPr lang="en-US" smtClean="0"/>
-              <a:t>2/17/2023</a:t>
+              <a:t>2/18/2023</a:t>
             </a:fld>
             <a:endParaRPr lang="en-US" dirty="0"/>
           </a:p>
@@ -420,7 +422,7 @@
           <a:p>
             <a:fld id="{056371FA-A98D-41E8-93F4-09945841298A}" type="datetimeFigureOut">
               <a:rPr lang="en-US" smtClean="0"/>
-              <a:t>2/17/2023</a:t>
+              <a:t>2/18/2023</a:t>
             </a:fld>
             <a:endParaRPr lang="en-US" dirty="0"/>
           </a:p>
@@ -2727,26 +2729,18 @@
           <a:bodyPr/>
           <a:lstStyle/>
           <a:p>
-            <a:pPr algn="l"/>
-            <a:r>
-              <a:rPr lang="en-US" b="0" i="0" dirty="0">
-                <a:solidFill>
-                  <a:srgbClr val="363F48"/>
-                </a:solidFill>
-                <a:effectLst/>
-                <a:latin typeface="Oswald" pitchFamily="2" charset="0"/>
-              </a:rPr>
-              <a:t>Using PL/SQL to Manipulate Data using DML Commands &gt;&gt;  https://www.thegeekdiary.com/using-pl-sql-to-manipulate-data-using-dml-commands/</a:t>
-            </a:r>
-          </a:p>
-          <a:p>
-            <a:pPr algn="l"/>
-            <a:r>
-              <a:rPr lang="en-US" dirty="0"/>
-              <a:t>CURSOR MANAGEMENT in PL/SQL &gt;&gt;  http://cms.gcg11.ac.in/attachments/article/70/CursormanagementinPLSQL.pdf</a:t>
-            </a:r>
-          </a:p>
-          <a:p>
+            <a:r>
+              <a:rPr lang="en-US" b="1" dirty="0"/>
+              <a:t> Joined </a:t>
+            </a:r>
+            <a:r>
+              <a:rPr lang="en-US" b="1"/>
+              <a:t>Tables </a:t>
+            </a:r>
+            <a:r>
+              <a:rPr lang="en-US"/>
+              <a:t>: </a:t>
+            </a:r>
             <a:endParaRPr lang="en-US" dirty="0"/>
           </a:p>
         </p:txBody>
@@ -2766,18 +2760,43 @@
           <a:bodyPr/>
           <a:lstStyle/>
           <a:p>
-            <a:fld id="{22289C57-55D7-40A4-A101-E74FAC7A092B}" type="slidenum">
+            <a:fld id="{15881BA2-DF14-4068-8D92-04B6D2CD5988}" type="slidenum">
               <a:rPr lang="en-US" smtClean="0"/>
               <a:t>25</a:t>
             </a:fld>
-            <a:endParaRPr lang="en-US" dirty="0"/>
+            <a:endParaRPr lang="en-US"/>
+          </a:p>
+        </p:txBody>
+      </p:sp>
+      <p:sp>
+        <p:nvSpPr>
+          <p:cNvPr id="5" name="Footer Placeholder 4">
+            <a:extLst>
+              <a:ext uri="{FF2B5EF4-FFF2-40B4-BE49-F238E27FC236}">
+                <a16:creationId xmlns:a16="http://schemas.microsoft.com/office/drawing/2014/main" id="{2EF1D0A3-A3C5-4246-A988-B30C97205118}"/>
+              </a:ext>
+            </a:extLst>
+          </p:cNvPr>
+          <p:cNvSpPr>
+            <a:spLocks noGrp="1"/>
+          </p:cNvSpPr>
+          <p:nvPr>
+            <p:ph type="ftr" sz="quarter" idx="4"/>
+          </p:nvPr>
+        </p:nvSpPr>
+        <p:spPr/>
+        <p:txBody>
+          <a:bodyPr/>
+          <a:lstStyle/>
+          <a:p>
+            <a:endParaRPr lang="en-US"/>
           </a:p>
         </p:txBody>
       </p:sp>
     </p:spTree>
     <p:extLst>
       <p:ext uri="{BB962C8B-B14F-4D97-AF65-F5344CB8AC3E}">
-        <p14:creationId xmlns:p14="http://schemas.microsoft.com/office/powerpoint/2010/main" val="1626727214"/>
+        <p14:creationId xmlns:p14="http://schemas.microsoft.com/office/powerpoint/2010/main" val="993761268"/>
       </p:ext>
     </p:extLst>
   </p:cSld>
@@ -2831,112 +2850,26 @@
           <a:bodyPr/>
           <a:lstStyle/>
           <a:p>
-            <a:pPr marL="0" marR="0" lvl="0" indent="0" algn="l" defTabSz="914400" rtl="0" eaLnBrk="1" fontAlgn="auto" latinLnBrk="0" hangingPunct="1">
-              <a:lnSpc>
-                <a:spcPct val="100000"/>
-              </a:lnSpc>
-              <a:spcBef>
-                <a:spcPts val="0"/>
-              </a:spcBef>
-              <a:spcAft>
-                <a:spcPts val="0"/>
-              </a:spcAft>
-              <a:buClrTx/>
-              <a:buSzTx/>
-              <a:buFontTx/>
-              <a:buNone/>
-              <a:tabLst/>
-              <a:defRPr/>
-            </a:pPr>
-            <a:r>
-              <a:rPr lang="en-US" b="0" i="0" dirty="0">
-                <a:solidFill>
-                  <a:srgbClr val="535353"/>
-                </a:solidFill>
-                <a:effectLst/>
-                <a:latin typeface="Helvetica Neue"/>
-              </a:rPr>
-              <a:t>Oracle / PLSQL: </a:t>
-            </a:r>
-            <a:r>
-              <a:rPr lang="en-US" b="0" i="0" dirty="0">
-                <a:solidFill>
-                  <a:srgbClr val="4B6692"/>
-                </a:solidFill>
-                <a:effectLst/>
-                <a:latin typeface="Helvetica Neue"/>
-              </a:rPr>
-              <a:t>Functions - Listed by Category</a:t>
-            </a:r>
-            <a:r>
-              <a:rPr lang="th-TH" b="0" i="0" dirty="0">
-                <a:solidFill>
-                  <a:srgbClr val="4B6692"/>
-                </a:solidFill>
-                <a:effectLst/>
-                <a:latin typeface="Helvetica Neue"/>
-              </a:rPr>
+            <a:r>
+              <a:rPr lang="en-US" b="1" dirty="0"/>
+              <a:t>ABOUT CROSS JOIN IN POSTGRESQL</a:t>
+            </a:r>
+            <a:r>
+              <a:rPr lang="th-TH" b="1" dirty="0"/>
               <a:t> </a:t>
             </a:r>
             <a:r>
-              <a:rPr lang="en-US" b="0" i="0" dirty="0">
-                <a:solidFill>
-                  <a:srgbClr val="4B6692"/>
-                </a:solidFill>
-                <a:effectLst/>
-                <a:latin typeface="Helvetica Neue"/>
-              </a:rPr>
-              <a:t>&gt;&gt;  https://www.techonthenet.com/oracle/functions/index.php</a:t>
-            </a:r>
-          </a:p>
-          <a:p>
-            <a:pPr marL="0" marR="0" lvl="0" indent="0" algn="l" defTabSz="914400" rtl="0" eaLnBrk="1" fontAlgn="auto" latinLnBrk="0" hangingPunct="1">
-              <a:lnSpc>
-                <a:spcPct val="100000"/>
-              </a:lnSpc>
-              <a:spcBef>
-                <a:spcPts val="0"/>
-              </a:spcBef>
-              <a:spcAft>
-                <a:spcPts val="0"/>
-              </a:spcAft>
-              <a:buClrTx/>
-              <a:buSzTx/>
-              <a:buFontTx/>
-              <a:buNone/>
-              <a:tabLst/>
-              <a:defRPr/>
-            </a:pPr>
-            <a:r>
-              <a:rPr lang="en-US" b="0" i="0" dirty="0">
-                <a:solidFill>
-                  <a:srgbClr val="303030"/>
-                </a:solidFill>
-                <a:effectLst/>
-                <a:latin typeface="Heebo" pitchFamily="2" charset="-79"/>
-                <a:cs typeface="Heebo" pitchFamily="2" charset="-79"/>
-              </a:rPr>
-              <a:t>PL/SQL – Strings</a:t>
-            </a:r>
-            <a:r>
-              <a:rPr lang="en-US" b="0" i="0" dirty="0">
-                <a:solidFill>
-                  <a:srgbClr val="535353"/>
-                </a:solidFill>
-                <a:effectLst/>
-                <a:latin typeface="Helvetica Neue"/>
-                <a:cs typeface="Heebo" pitchFamily="2" charset="-79"/>
-              </a:rPr>
-              <a:t> &gt;&gt;  https://www.tutorialspoint.com/plsql/plsql_strings.htm</a:t>
-            </a:r>
-            <a:endParaRPr lang="en-US" b="0" i="0" dirty="0">
-              <a:solidFill>
-                <a:srgbClr val="303030"/>
-              </a:solidFill>
-              <a:effectLst/>
-              <a:latin typeface="Heebo" pitchFamily="2" charset="-79"/>
-              <a:cs typeface="Heebo" pitchFamily="2" charset="-79"/>
-            </a:endParaRPr>
+              <a:rPr lang="en-US" dirty="0"/>
+              <a:t>:</a:t>
+            </a:r>
+            <a:r>
+              <a:rPr lang="th-TH" dirty="0"/>
+              <a:t> </a:t>
+            </a:r>
+            <a:r>
+              <a:rPr lang="en-US" dirty="0"/>
+              <a:t>https://www.cybertec-postgresql.com/en/cross-join-in-postgresql/</a:t>
+            </a:r>
           </a:p>
         </p:txBody>
       </p:sp>
@@ -2955,18 +2888,43 @@
           <a:bodyPr/>
           <a:lstStyle/>
           <a:p>
-            <a:fld id="{22289C57-55D7-40A4-A101-E74FAC7A092B}" type="slidenum">
+            <a:fld id="{15881BA2-DF14-4068-8D92-04B6D2CD5988}" type="slidenum">
               <a:rPr lang="en-US" smtClean="0"/>
               <a:t>26</a:t>
             </a:fld>
-            <a:endParaRPr lang="en-US" dirty="0"/>
+            <a:endParaRPr lang="en-US"/>
+          </a:p>
+        </p:txBody>
+      </p:sp>
+      <p:sp>
+        <p:nvSpPr>
+          <p:cNvPr id="5" name="Footer Placeholder 4">
+            <a:extLst>
+              <a:ext uri="{FF2B5EF4-FFF2-40B4-BE49-F238E27FC236}">
+                <a16:creationId xmlns:a16="http://schemas.microsoft.com/office/drawing/2014/main" id="{2EF1D0A3-A3C5-4246-A988-B30C97205118}"/>
+              </a:ext>
+            </a:extLst>
+          </p:cNvPr>
+          <p:cNvSpPr>
+            <a:spLocks noGrp="1"/>
+          </p:cNvSpPr>
+          <p:nvPr>
+            <p:ph type="ftr" sz="quarter" idx="4"/>
+          </p:nvPr>
+        </p:nvSpPr>
+        <p:spPr/>
+        <p:txBody>
+          <a:bodyPr/>
+          <a:lstStyle/>
+          <a:p>
+            <a:endParaRPr lang="en-US"/>
           </a:p>
         </p:txBody>
       </p:sp>
     </p:spTree>
     <p:extLst>
       <p:ext uri="{BB962C8B-B14F-4D97-AF65-F5344CB8AC3E}">
-        <p14:creationId xmlns:p14="http://schemas.microsoft.com/office/powerpoint/2010/main" val="4165372129"/>
+        <p14:creationId xmlns:p14="http://schemas.microsoft.com/office/powerpoint/2010/main" val="4031587960"/>
       </p:ext>
     </p:extLst>
   </p:cSld>
@@ -3020,135 +2978,27 @@
           <a:bodyPr/>
           <a:lstStyle/>
           <a:p>
-            <a:pPr marL="0" marR="0" lvl="0" indent="0" algn="l" defTabSz="914400" rtl="0" eaLnBrk="1" fontAlgn="auto" latinLnBrk="0" hangingPunct="1">
-              <a:lnSpc>
-                <a:spcPct val="100000"/>
-              </a:lnSpc>
-              <a:spcBef>
-                <a:spcPts val="0"/>
-              </a:spcBef>
-              <a:spcAft>
-                <a:spcPts val="0"/>
-              </a:spcAft>
-              <a:buClrTx/>
-              <a:buSzTx/>
-              <a:buFontTx/>
-              <a:buNone/>
-              <a:tabLst/>
-              <a:defRPr/>
-            </a:pPr>
-            <a:r>
-              <a:rPr lang="en-US" b="0" dirty="0">
-                <a:solidFill>
-                  <a:srgbClr val="FF0000"/>
+            <a:pPr algn="l"/>
+            <a:r>
+              <a:rPr lang="en-US" b="0" i="0" dirty="0">
+                <a:solidFill>
+                  <a:srgbClr val="363F48"/>
                 </a:solidFill>
                 <a:effectLst/>
-                <a:latin typeface="Verdana" panose="020B0604030504040204" pitchFamily="34" charset="0"/>
-              </a:rPr>
-              <a:t>Oracle SQL &amp; PL/SQL</a:t>
-            </a:r>
-            <a:r>
-              <a:rPr lang="th-TH" b="0" dirty="0">
-                <a:solidFill>
-                  <a:srgbClr val="FF0000"/>
-                </a:solidFill>
-                <a:effectLst/>
-                <a:latin typeface="Verdana" panose="020B0604030504040204" pitchFamily="34" charset="0"/>
-              </a:rPr>
-              <a:t> </a:t>
-            </a:r>
-            <a:r>
-              <a:rPr lang="en-US" b="0" dirty="0">
-                <a:solidFill>
-                  <a:srgbClr val="FF0000"/>
-                </a:solidFill>
-                <a:effectLst/>
-                <a:latin typeface="Verdana" panose="020B0604030504040204" pitchFamily="34" charset="0"/>
-              </a:rPr>
-              <a:t>&gt;&gt;  https://sql-plsql.blogspot.com/</a:t>
-            </a:r>
-          </a:p>
-          <a:p>
-            <a:pPr marL="0" marR="0" lvl="0" indent="0" algn="l" defTabSz="914400" rtl="0" eaLnBrk="1" fontAlgn="auto" latinLnBrk="0" hangingPunct="1">
-              <a:lnSpc>
-                <a:spcPct val="100000"/>
-              </a:lnSpc>
-              <a:spcBef>
-                <a:spcPts val="0"/>
-              </a:spcBef>
-              <a:spcAft>
-                <a:spcPts val="0"/>
-              </a:spcAft>
-              <a:buClrTx/>
-              <a:buSzTx/>
-              <a:buFontTx/>
-              <a:buNone/>
-              <a:tabLst/>
-              <a:defRPr/>
-            </a:pPr>
-            <a:r>
-              <a:rPr lang="en-US" b="0" i="0" dirty="0">
-                <a:effectLst/>
-                <a:latin typeface="-apple-system"/>
-              </a:rPr>
-              <a:t>FETCH</a:t>
-            </a:r>
-            <a:r>
-              <a:rPr lang="en-US" b="0" i="0" dirty="0">
-                <a:solidFill>
-                  <a:srgbClr val="FF0000"/>
-                </a:solidFill>
-                <a:effectLst/>
-                <a:latin typeface="Verdana" panose="020B0604030504040204" pitchFamily="34" charset="0"/>
-              </a:rPr>
-              <a:t> &gt;&gt;  https://www.oracletutorial.com/oracle-basics/oracle-fetch/</a:t>
-            </a:r>
-          </a:p>
-          <a:p>
-            <a:pPr marL="0" marR="0" lvl="0" indent="0" algn="l" defTabSz="914400" rtl="0" eaLnBrk="1" fontAlgn="auto" latinLnBrk="0" hangingPunct="1">
-              <a:lnSpc>
-                <a:spcPct val="100000"/>
-              </a:lnSpc>
-              <a:spcBef>
-                <a:spcPts val="0"/>
-              </a:spcBef>
-              <a:spcAft>
-                <a:spcPts val="0"/>
-              </a:spcAft>
-              <a:buClrTx/>
-              <a:buSzTx/>
-              <a:buFontTx/>
-              <a:buNone/>
-              <a:tabLst/>
-              <a:defRPr/>
-            </a:pPr>
-            <a:r>
-              <a:rPr lang="en-US" b="0" i="0" dirty="0">
-                <a:solidFill>
-                  <a:srgbClr val="1A1816"/>
-                </a:solidFill>
-                <a:effectLst/>
-                <a:latin typeface="Oracle Sans"/>
-              </a:rPr>
-              <a:t>OFFSET Clause</a:t>
-            </a:r>
-            <a:r>
-              <a:rPr lang="en-US" b="0" i="0" dirty="0">
-                <a:solidFill>
-                  <a:srgbClr val="1A1816"/>
-                </a:solidFill>
-                <a:effectLst/>
-                <a:latin typeface="-apple-system"/>
-              </a:rPr>
-              <a:t> &gt;&gt;  https://docs.oracle.com/en/database/other-databases/nosql-database/22.1/sqlreferencefornosql/offset-clause.html</a:t>
-            </a:r>
-            <a:endParaRPr lang="en-US" b="0" i="0" dirty="0">
-              <a:solidFill>
-                <a:srgbClr val="1A1816"/>
-              </a:solidFill>
-              <a:effectLst/>
-              <a:latin typeface="Oracle Sans"/>
-            </a:endParaRPr>
+                <a:latin typeface="Oswald" pitchFamily="2" charset="0"/>
+              </a:rPr>
+              <a:t>Using PL/SQL to Manipulate Data using DML Commands &gt;&gt;  https://www.thegeekdiary.com/using-pl-sql-to-manipulate-data-using-dml-commands/</a:t>
+            </a:r>
+          </a:p>
+          <a:p>
+            <a:pPr algn="l"/>
+            <a:r>
+              <a:rPr lang="en-US" dirty="0"/>
+              <a:t>CURSOR MANAGEMENT in PL/SQL &gt;&gt;  http://cms.gcg11.ac.in/attachments/article/70/CursormanagementinPLSQL.pdf</a:t>
+            </a:r>
+          </a:p>
+          <a:p>
+            <a:endParaRPr lang="en-US" dirty="0"/>
           </a:p>
         </p:txBody>
       </p:sp>
@@ -3170,6 +3020,407 @@
             <a:fld id="{22289C57-55D7-40A4-A101-E74FAC7A092B}" type="slidenum">
               <a:rPr lang="en-US" smtClean="0"/>
               <a:t>27</a:t>
+            </a:fld>
+            <a:endParaRPr lang="en-US" dirty="0"/>
+          </a:p>
+        </p:txBody>
+      </p:sp>
+    </p:spTree>
+    <p:extLst>
+      <p:ext uri="{BB962C8B-B14F-4D97-AF65-F5344CB8AC3E}">
+        <p14:creationId xmlns:p14="http://schemas.microsoft.com/office/powerpoint/2010/main" val="1626727214"/>
+      </p:ext>
+    </p:extLst>
+  </p:cSld>
+  <p:clrMapOvr>
+    <a:masterClrMapping/>
+  </p:clrMapOvr>
+</p:notes>
+</file>
+
+<file path=ppt/notesSlides/notesSlide23.xml><?xml version="1.0" encoding="utf-8"?>
+<p:notes xmlns:a="http://schemas.openxmlformats.org/drawingml/2006/main" xmlns:r="http://schemas.openxmlformats.org/officeDocument/2006/relationships" xmlns:p="http://schemas.openxmlformats.org/presentationml/2006/main">
+  <p:cSld>
+    <p:spTree>
+      <p:nvGrpSpPr>
+        <p:cNvPr id="1" name=""/>
+        <p:cNvGrpSpPr/>
+        <p:nvPr/>
+      </p:nvGrpSpPr>
+      <p:grpSpPr>
+        <a:xfrm>
+          <a:off x="0" y="0"/>
+          <a:ext cx="0" cy="0"/>
+          <a:chOff x="0" y="0"/>
+          <a:chExt cx="0" cy="0"/>
+        </a:xfrm>
+      </p:grpSpPr>
+      <p:sp>
+        <p:nvSpPr>
+          <p:cNvPr id="2" name="Slide Image Placeholder 1"/>
+          <p:cNvSpPr>
+            <a:spLocks noGrp="1" noRot="1" noChangeAspect="1"/>
+          </p:cNvSpPr>
+          <p:nvPr>
+            <p:ph type="sldImg"/>
+          </p:nvPr>
+        </p:nvSpPr>
+        <p:spPr/>
+      </p:sp>
+      <p:sp>
+        <p:nvSpPr>
+          <p:cNvPr id="3" name="Notes Placeholder 2"/>
+          <p:cNvSpPr>
+            <a:spLocks noGrp="1"/>
+          </p:cNvSpPr>
+          <p:nvPr>
+            <p:ph type="body" idx="1"/>
+          </p:nvPr>
+        </p:nvSpPr>
+        <p:spPr/>
+        <p:txBody>
+          <a:bodyPr/>
+          <a:lstStyle/>
+          <a:p>
+            <a:pPr marL="0" marR="0" lvl="0" indent="0" algn="l" defTabSz="914400" rtl="0" eaLnBrk="1" fontAlgn="auto" latinLnBrk="0" hangingPunct="1">
+              <a:lnSpc>
+                <a:spcPct val="100000"/>
+              </a:lnSpc>
+              <a:spcBef>
+                <a:spcPts val="0"/>
+              </a:spcBef>
+              <a:spcAft>
+                <a:spcPts val="0"/>
+              </a:spcAft>
+              <a:buClrTx/>
+              <a:buSzTx/>
+              <a:buFontTx/>
+              <a:buNone/>
+              <a:tabLst/>
+              <a:defRPr/>
+            </a:pPr>
+            <a:r>
+              <a:rPr lang="en-US" b="0" i="0" dirty="0">
+                <a:solidFill>
+                  <a:srgbClr val="535353"/>
+                </a:solidFill>
+                <a:effectLst/>
+                <a:latin typeface="Helvetica Neue"/>
+              </a:rPr>
+              <a:t>Oracle / PLSQL: </a:t>
+            </a:r>
+            <a:r>
+              <a:rPr lang="en-US" b="0" i="0" dirty="0">
+                <a:solidFill>
+                  <a:srgbClr val="4B6692"/>
+                </a:solidFill>
+                <a:effectLst/>
+                <a:latin typeface="Helvetica Neue"/>
+              </a:rPr>
+              <a:t>Functions - Listed by Category</a:t>
+            </a:r>
+            <a:r>
+              <a:rPr lang="th-TH" b="0" i="0" dirty="0">
+                <a:solidFill>
+                  <a:srgbClr val="4B6692"/>
+                </a:solidFill>
+                <a:effectLst/>
+                <a:latin typeface="Helvetica Neue"/>
+              </a:rPr>
+              <a:t> </a:t>
+            </a:r>
+            <a:r>
+              <a:rPr lang="en-US" b="0" i="0" dirty="0">
+                <a:solidFill>
+                  <a:srgbClr val="4B6692"/>
+                </a:solidFill>
+                <a:effectLst/>
+                <a:latin typeface="Helvetica Neue"/>
+              </a:rPr>
+              <a:t>&gt;&gt;  https://www.techonthenet.com/oracle/functions/index.php</a:t>
+            </a:r>
+          </a:p>
+          <a:p>
+            <a:pPr marL="0" marR="0" lvl="0" indent="0" algn="l" defTabSz="914400" rtl="0" eaLnBrk="1" fontAlgn="auto" latinLnBrk="0" hangingPunct="1">
+              <a:lnSpc>
+                <a:spcPct val="100000"/>
+              </a:lnSpc>
+              <a:spcBef>
+                <a:spcPts val="0"/>
+              </a:spcBef>
+              <a:spcAft>
+                <a:spcPts val="0"/>
+              </a:spcAft>
+              <a:buClrTx/>
+              <a:buSzTx/>
+              <a:buFontTx/>
+              <a:buNone/>
+              <a:tabLst/>
+              <a:defRPr/>
+            </a:pPr>
+            <a:r>
+              <a:rPr lang="en-US" b="0" i="0" dirty="0">
+                <a:solidFill>
+                  <a:srgbClr val="303030"/>
+                </a:solidFill>
+                <a:effectLst/>
+                <a:latin typeface="Heebo" pitchFamily="2" charset="-79"/>
+                <a:cs typeface="Heebo" pitchFamily="2" charset="-79"/>
+              </a:rPr>
+              <a:t>PL/SQL – Strings</a:t>
+            </a:r>
+            <a:r>
+              <a:rPr lang="en-US" b="0" i="0" dirty="0">
+                <a:solidFill>
+                  <a:srgbClr val="535353"/>
+                </a:solidFill>
+                <a:effectLst/>
+                <a:latin typeface="Helvetica Neue"/>
+                <a:cs typeface="Heebo" pitchFamily="2" charset="-79"/>
+              </a:rPr>
+              <a:t> &gt;&gt;  https://www.tutorialspoint.com/plsql/plsql_strings.htm</a:t>
+            </a:r>
+            <a:endParaRPr lang="en-US" b="0" i="0" dirty="0">
+              <a:solidFill>
+                <a:srgbClr val="303030"/>
+              </a:solidFill>
+              <a:effectLst/>
+              <a:latin typeface="Heebo" pitchFamily="2" charset="-79"/>
+              <a:cs typeface="Heebo" pitchFamily="2" charset="-79"/>
+            </a:endParaRPr>
+          </a:p>
+        </p:txBody>
+      </p:sp>
+      <p:sp>
+        <p:nvSpPr>
+          <p:cNvPr id="4" name="Slide Number Placeholder 3"/>
+          <p:cNvSpPr>
+            <a:spLocks noGrp="1"/>
+          </p:cNvSpPr>
+          <p:nvPr>
+            <p:ph type="sldNum" sz="quarter" idx="5"/>
+          </p:nvPr>
+        </p:nvSpPr>
+        <p:spPr/>
+        <p:txBody>
+          <a:bodyPr/>
+          <a:lstStyle/>
+          <a:p>
+            <a:fld id="{22289C57-55D7-40A4-A101-E74FAC7A092B}" type="slidenum">
+              <a:rPr lang="en-US" smtClean="0"/>
+              <a:t>28</a:t>
+            </a:fld>
+            <a:endParaRPr lang="en-US" dirty="0"/>
+          </a:p>
+        </p:txBody>
+      </p:sp>
+    </p:spTree>
+    <p:extLst>
+      <p:ext uri="{BB962C8B-B14F-4D97-AF65-F5344CB8AC3E}">
+        <p14:creationId xmlns:p14="http://schemas.microsoft.com/office/powerpoint/2010/main" val="4165372129"/>
+      </p:ext>
+    </p:extLst>
+  </p:cSld>
+  <p:clrMapOvr>
+    <a:masterClrMapping/>
+  </p:clrMapOvr>
+</p:notes>
+</file>
+
+<file path=ppt/notesSlides/notesSlide24.xml><?xml version="1.0" encoding="utf-8"?>
+<p:notes xmlns:a="http://schemas.openxmlformats.org/drawingml/2006/main" xmlns:r="http://schemas.openxmlformats.org/officeDocument/2006/relationships" xmlns:p="http://schemas.openxmlformats.org/presentationml/2006/main">
+  <p:cSld>
+    <p:spTree>
+      <p:nvGrpSpPr>
+        <p:cNvPr id="1" name=""/>
+        <p:cNvGrpSpPr/>
+        <p:nvPr/>
+      </p:nvGrpSpPr>
+      <p:grpSpPr>
+        <a:xfrm>
+          <a:off x="0" y="0"/>
+          <a:ext cx="0" cy="0"/>
+          <a:chOff x="0" y="0"/>
+          <a:chExt cx="0" cy="0"/>
+        </a:xfrm>
+      </p:grpSpPr>
+      <p:sp>
+        <p:nvSpPr>
+          <p:cNvPr id="2" name="Slide Image Placeholder 1"/>
+          <p:cNvSpPr>
+            <a:spLocks noGrp="1" noRot="1" noChangeAspect="1"/>
+          </p:cNvSpPr>
+          <p:nvPr>
+            <p:ph type="sldImg"/>
+          </p:nvPr>
+        </p:nvSpPr>
+        <p:spPr/>
+      </p:sp>
+      <p:sp>
+        <p:nvSpPr>
+          <p:cNvPr id="3" name="Notes Placeholder 2"/>
+          <p:cNvSpPr>
+            <a:spLocks noGrp="1"/>
+          </p:cNvSpPr>
+          <p:nvPr>
+            <p:ph type="body" idx="1"/>
+          </p:nvPr>
+        </p:nvSpPr>
+        <p:spPr/>
+        <p:txBody>
+          <a:bodyPr/>
+          <a:lstStyle/>
+          <a:p>
+            <a:pPr marL="0" marR="0" lvl="0" indent="0" algn="l" defTabSz="914400" rtl="0" eaLnBrk="1" fontAlgn="auto" latinLnBrk="0" hangingPunct="1">
+              <a:lnSpc>
+                <a:spcPct val="100000"/>
+              </a:lnSpc>
+              <a:spcBef>
+                <a:spcPts val="0"/>
+              </a:spcBef>
+              <a:spcAft>
+                <a:spcPts val="0"/>
+              </a:spcAft>
+              <a:buClrTx/>
+              <a:buSzTx/>
+              <a:buFontTx/>
+              <a:buNone/>
+              <a:tabLst/>
+              <a:defRPr/>
+            </a:pPr>
+            <a:r>
+              <a:rPr lang="en-US" b="0" dirty="0">
+                <a:solidFill>
+                  <a:srgbClr val="FF0000"/>
+                </a:solidFill>
+                <a:effectLst/>
+                <a:latin typeface="Verdana" panose="020B0604030504040204" pitchFamily="34" charset="0"/>
+              </a:rPr>
+              <a:t>Oracle SQL &amp; PL/SQL</a:t>
+            </a:r>
+            <a:r>
+              <a:rPr lang="th-TH" b="0" dirty="0">
+                <a:solidFill>
+                  <a:srgbClr val="FF0000"/>
+                </a:solidFill>
+                <a:effectLst/>
+                <a:latin typeface="Verdana" panose="020B0604030504040204" pitchFamily="34" charset="0"/>
+              </a:rPr>
+              <a:t> </a:t>
+            </a:r>
+            <a:r>
+              <a:rPr lang="en-US" b="0" dirty="0">
+                <a:solidFill>
+                  <a:srgbClr val="FF0000"/>
+                </a:solidFill>
+                <a:effectLst/>
+                <a:latin typeface="Verdana" panose="020B0604030504040204" pitchFamily="34" charset="0"/>
+              </a:rPr>
+              <a:t>&gt;&gt;  https://sql-plsql.blogspot.com/</a:t>
+            </a:r>
+          </a:p>
+          <a:p>
+            <a:pPr marL="0" marR="0" lvl="0" indent="0" algn="l" defTabSz="914400" rtl="0" eaLnBrk="1" fontAlgn="auto" latinLnBrk="0" hangingPunct="1">
+              <a:lnSpc>
+                <a:spcPct val="100000"/>
+              </a:lnSpc>
+              <a:spcBef>
+                <a:spcPts val="0"/>
+              </a:spcBef>
+              <a:spcAft>
+                <a:spcPts val="0"/>
+              </a:spcAft>
+              <a:buClrTx/>
+              <a:buSzTx/>
+              <a:buFontTx/>
+              <a:buNone/>
+              <a:tabLst/>
+              <a:defRPr/>
+            </a:pPr>
+            <a:r>
+              <a:rPr lang="en-US" b="0" i="0" dirty="0">
+                <a:effectLst/>
+                <a:latin typeface="-apple-system"/>
+              </a:rPr>
+              <a:t>FETCH</a:t>
+            </a:r>
+            <a:r>
+              <a:rPr lang="en-US" b="0" i="0" dirty="0">
+                <a:solidFill>
+                  <a:srgbClr val="FF0000"/>
+                </a:solidFill>
+                <a:effectLst/>
+                <a:latin typeface="Verdana" panose="020B0604030504040204" pitchFamily="34" charset="0"/>
+              </a:rPr>
+              <a:t> &gt;&gt;  https://www.oracletutorial.com/oracle-basics/oracle-fetch/</a:t>
+            </a:r>
+          </a:p>
+          <a:p>
+            <a:pPr marL="0" marR="0" lvl="0" indent="0" algn="l" defTabSz="914400" rtl="0" eaLnBrk="1" fontAlgn="auto" latinLnBrk="0" hangingPunct="1">
+              <a:lnSpc>
+                <a:spcPct val="100000"/>
+              </a:lnSpc>
+              <a:spcBef>
+                <a:spcPts val="0"/>
+              </a:spcBef>
+              <a:spcAft>
+                <a:spcPts val="0"/>
+              </a:spcAft>
+              <a:buClrTx/>
+              <a:buSzTx/>
+              <a:buFontTx/>
+              <a:buNone/>
+              <a:tabLst/>
+              <a:defRPr/>
+            </a:pPr>
+            <a:r>
+              <a:rPr lang="en-US" b="0" i="0" dirty="0">
+                <a:solidFill>
+                  <a:srgbClr val="1A1816"/>
+                </a:solidFill>
+                <a:effectLst/>
+                <a:latin typeface="Oracle Sans"/>
+              </a:rPr>
+              <a:t>OFFSET Clause</a:t>
+            </a:r>
+            <a:r>
+              <a:rPr lang="en-US" b="0" i="0" dirty="0">
+                <a:solidFill>
+                  <a:srgbClr val="1A1816"/>
+                </a:solidFill>
+                <a:effectLst/>
+                <a:latin typeface="-apple-system"/>
+              </a:rPr>
+              <a:t> &gt;&gt;  https://docs.oracle.com/en/database/other-databases/nosql-database/22.1/sqlreferencefornosql/offset-clause.html</a:t>
+            </a:r>
+            <a:endParaRPr lang="en-US" b="0" i="0" dirty="0">
+              <a:solidFill>
+                <a:srgbClr val="1A1816"/>
+              </a:solidFill>
+              <a:effectLst/>
+              <a:latin typeface="Oracle Sans"/>
+            </a:endParaRPr>
+          </a:p>
+        </p:txBody>
+      </p:sp>
+      <p:sp>
+        <p:nvSpPr>
+          <p:cNvPr id="4" name="Slide Number Placeholder 3"/>
+          <p:cNvSpPr>
+            <a:spLocks noGrp="1"/>
+          </p:cNvSpPr>
+          <p:nvPr>
+            <p:ph type="sldNum" sz="quarter" idx="5"/>
+          </p:nvPr>
+        </p:nvSpPr>
+        <p:spPr/>
+        <p:txBody>
+          <a:bodyPr/>
+          <a:lstStyle/>
+          <a:p>
+            <a:fld id="{22289C57-55D7-40A4-A101-E74FAC7A092B}" type="slidenum">
+              <a:rPr lang="en-US" smtClean="0"/>
+              <a:t>29</a:t>
             </a:fld>
             <a:endParaRPr lang="en-US" dirty="0"/>
           </a:p>
@@ -7431,6 +7682,163 @@
     <p:extLst>
       <p:ext uri="{BB962C8B-B14F-4D97-AF65-F5344CB8AC3E}">
         <p14:creationId xmlns:p14="http://schemas.microsoft.com/office/powerpoint/2010/main" val="1291140423"/>
+      </p:ext>
+    </p:extLst>
+  </p:cSld>
+  <p:clrMapOvr>
+    <a:masterClrMapping/>
+  </p:clrMapOvr>
+</p:sldLayout>
+</file>
+
+<file path=ppt/slideLayouts/slideLayout16.xml><?xml version="1.0" encoding="utf-8"?>
+<p:sldLayout xmlns:a="http://schemas.openxmlformats.org/drawingml/2006/main" xmlns:r="http://schemas.openxmlformats.org/officeDocument/2006/relationships" xmlns:p="http://schemas.openxmlformats.org/presentationml/2006/main" showMasterSp="0" type="blank">
+  <p:cSld name="Blank">
+    <p:spTree>
+      <p:nvGrpSpPr>
+        <p:cNvPr id="1" name=""/>
+        <p:cNvGrpSpPr/>
+        <p:nvPr/>
+      </p:nvGrpSpPr>
+      <p:grpSpPr>
+        <a:xfrm>
+          <a:off x="0" y="0"/>
+          <a:ext cx="0" cy="0"/>
+          <a:chOff x="0" y="0"/>
+          <a:chExt cx="0" cy="0"/>
+        </a:xfrm>
+      </p:grpSpPr>
+      <p:sp>
+        <p:nvSpPr>
+          <p:cNvPr id="10" name="Rectangle 9">
+            <a:extLst>
+              <a:ext uri="{FF2B5EF4-FFF2-40B4-BE49-F238E27FC236}">
+                <a16:creationId xmlns:a16="http://schemas.microsoft.com/office/drawing/2014/main" id="{A8E9C91B-7EAD-4562-AB0E-DFB9663AECE3}"/>
+              </a:ext>
+            </a:extLst>
+          </p:cNvPr>
+          <p:cNvSpPr/>
+          <p:nvPr/>
+        </p:nvSpPr>
+        <p:spPr>
+          <a:xfrm>
+            <a:off x="3175" y="6400800"/>
+            <a:ext cx="12188825" cy="457200"/>
+          </a:xfrm>
+          <a:prstGeom prst="rect">
+            <a:avLst/>
+          </a:prstGeom>
+          <a:solidFill>
+            <a:srgbClr val="262626"/>
+          </a:solidFill>
+          <a:ln>
+            <a:noFill/>
+          </a:ln>
+        </p:spPr>
+        <p:style>
+          <a:lnRef idx="2">
+            <a:schemeClr val="accent1">
+              <a:shade val="50000"/>
+            </a:schemeClr>
+          </a:lnRef>
+          <a:fillRef idx="1">
+            <a:schemeClr val="accent1"/>
+          </a:fillRef>
+          <a:effectRef idx="0">
+            <a:schemeClr val="accent1"/>
+          </a:effectRef>
+          <a:fontRef idx="minor">
+            <a:schemeClr val="lt1"/>
+          </a:fontRef>
+        </p:style>
+      </p:sp>
+      <p:sp>
+        <p:nvSpPr>
+          <p:cNvPr id="2" name="Date Placeholder 1">
+            <a:extLst>
+              <a:ext uri="{FF2B5EF4-FFF2-40B4-BE49-F238E27FC236}">
+                <a16:creationId xmlns:a16="http://schemas.microsoft.com/office/drawing/2014/main" id="{94E9223F-721F-47BF-9FD5-0F8D12FF0DE1}"/>
+              </a:ext>
+            </a:extLst>
+          </p:cNvPr>
+          <p:cNvSpPr>
+            <a:spLocks noGrp="1"/>
+          </p:cNvSpPr>
+          <p:nvPr>
+            <p:ph type="dt" sz="half" idx="10"/>
+          </p:nvPr>
+        </p:nvSpPr>
+        <p:spPr/>
+        <p:txBody>
+          <a:bodyPr/>
+          <a:lstStyle/>
+          <a:p>
+            <a:fld id="{87C0387B-8D15-4A73-8FBB-51B43EC00C35}" type="datetime1">
+              <a:rPr lang="en-US" smtClean="0"/>
+              <a:t>2/18/2023</a:t>
+            </a:fld>
+            <a:endParaRPr lang="en-US" dirty="0"/>
+          </a:p>
+        </p:txBody>
+      </p:sp>
+      <p:sp>
+        <p:nvSpPr>
+          <p:cNvPr id="3" name="Footer Placeholder 2">
+            <a:extLst>
+              <a:ext uri="{FF2B5EF4-FFF2-40B4-BE49-F238E27FC236}">
+                <a16:creationId xmlns:a16="http://schemas.microsoft.com/office/drawing/2014/main" id="{05915714-6BBA-4593-8591-4E26F7D58D9F}"/>
+              </a:ext>
+            </a:extLst>
+          </p:cNvPr>
+          <p:cNvSpPr>
+            <a:spLocks noGrp="1"/>
+          </p:cNvSpPr>
+          <p:nvPr>
+            <p:ph type="ftr" sz="quarter" idx="11"/>
+          </p:nvPr>
+        </p:nvSpPr>
+        <p:spPr/>
+        <p:txBody>
+          <a:bodyPr/>
+          <a:lstStyle/>
+          <a:p>
+            <a:endParaRPr lang="en-US" dirty="0"/>
+          </a:p>
+        </p:txBody>
+      </p:sp>
+      <p:sp>
+        <p:nvSpPr>
+          <p:cNvPr id="4" name="Slide Number Placeholder 3">
+            <a:extLst>
+              <a:ext uri="{FF2B5EF4-FFF2-40B4-BE49-F238E27FC236}">
+                <a16:creationId xmlns:a16="http://schemas.microsoft.com/office/drawing/2014/main" id="{BE06F857-D2E1-44DD-ABDD-EBB739645B67}"/>
+              </a:ext>
+            </a:extLst>
+          </p:cNvPr>
+          <p:cNvSpPr>
+            <a:spLocks noGrp="1"/>
+          </p:cNvSpPr>
+          <p:nvPr>
+            <p:ph type="sldNum" sz="quarter" idx="12"/>
+          </p:nvPr>
+        </p:nvSpPr>
+        <p:spPr/>
+        <p:txBody>
+          <a:bodyPr/>
+          <a:lstStyle/>
+          <a:p>
+            <a:fld id="{3A98EE3D-8CD1-4C3F-BD1C-C98C9596463C}" type="slidenum">
+              <a:rPr lang="en-US" smtClean="0"/>
+              <a:t>‹#›</a:t>
+            </a:fld>
+            <a:endParaRPr lang="en-US" dirty="0"/>
+          </a:p>
+        </p:txBody>
+      </p:sp>
+    </p:spTree>
+    <p:extLst>
+      <p:ext uri="{BB962C8B-B14F-4D97-AF65-F5344CB8AC3E}">
+        <p14:creationId xmlns:p14="http://schemas.microsoft.com/office/powerpoint/2010/main" val="3399437754"/>
       </p:ext>
     </p:extLst>
   </p:cSld>
@@ -12519,6 +12927,7 @@
     <p:sldLayoutId id="2147483660" r:id="rId13"/>
     <p:sldLayoutId id="2147483664" r:id="rId14"/>
     <p:sldLayoutId id="2147483665" r:id="rId15"/>
+    <p:sldLayoutId id="2147483669" r:id="rId16"/>
   </p:sldLayoutIdLst>
   <p:hf hdr="0"/>
   <p:txStyles>
@@ -32896,6 +33305,1828 @@
       </p:grpSpPr>
       <p:sp>
         <p:nvSpPr>
+          <p:cNvPr id="5" name="TextBox 4">
+            <a:extLst>
+              <a:ext uri="{FF2B5EF4-FFF2-40B4-BE49-F238E27FC236}">
+                <a16:creationId xmlns:a16="http://schemas.microsoft.com/office/drawing/2014/main" id="{E96C669C-3601-6820-83F3-0CB2A5B2856C}"/>
+              </a:ext>
+            </a:extLst>
+          </p:cNvPr>
+          <p:cNvSpPr txBox="1"/>
+          <p:nvPr/>
+        </p:nvSpPr>
+        <p:spPr>
+          <a:xfrm>
+            <a:off x="310083" y="338666"/>
+            <a:ext cx="11446488" cy="523220"/>
+          </a:xfrm>
+          <a:prstGeom prst="rect">
+            <a:avLst/>
+          </a:prstGeom>
+          <a:noFill/>
+        </p:spPr>
+        <p:txBody>
+          <a:bodyPr wrap="square" rtlCol="0">
+            <a:spAutoFit/>
+          </a:bodyPr>
+          <a:lstStyle/>
+          <a:p>
+            <a:r>
+              <a:rPr lang="en-US" sz="2800" b="1" dirty="0">
+                <a:solidFill>
+                  <a:srgbClr val="002060"/>
+                </a:solidFill>
+              </a:rPr>
+              <a:t>PLSQL</a:t>
+            </a:r>
+            <a:r>
+              <a:rPr lang="th-TH" sz="2800" b="1" dirty="0">
+                <a:solidFill>
+                  <a:srgbClr val="002060"/>
+                </a:solidFill>
+              </a:rPr>
+              <a:t> </a:t>
+            </a:r>
+            <a:r>
+              <a:rPr lang="en-US" sz="2800" b="1" dirty="0">
+                <a:solidFill>
+                  <a:srgbClr val="002060"/>
+                </a:solidFill>
+              </a:rPr>
+              <a:t>: JOIN TABLE </a:t>
+            </a:r>
+          </a:p>
+        </p:txBody>
+      </p:sp>
+      <p:sp>
+        <p:nvSpPr>
+          <p:cNvPr id="2" name="TextBox 1">
+            <a:extLst>
+              <a:ext uri="{FF2B5EF4-FFF2-40B4-BE49-F238E27FC236}">
+                <a16:creationId xmlns:a16="http://schemas.microsoft.com/office/drawing/2014/main" id="{874D86FF-05D0-8EC0-EAC2-F372E4B370C0}"/>
+              </a:ext>
+            </a:extLst>
+          </p:cNvPr>
+          <p:cNvSpPr txBox="1"/>
+          <p:nvPr/>
+        </p:nvSpPr>
+        <p:spPr>
+          <a:xfrm>
+            <a:off x="435429" y="861885"/>
+            <a:ext cx="11446488" cy="5909310"/>
+          </a:xfrm>
+          <a:prstGeom prst="rect">
+            <a:avLst/>
+          </a:prstGeom>
+          <a:noFill/>
+        </p:spPr>
+        <p:txBody>
+          <a:bodyPr wrap="square">
+            <a:spAutoFit/>
+          </a:bodyPr>
+          <a:lstStyle/>
+          <a:p>
+            <a:r>
+              <a:rPr lang="th-TH" dirty="0"/>
+              <a:t>การเชื่อมแบบ </a:t>
+            </a:r>
+            <a:r>
+              <a:rPr lang="en-US" dirty="0">
+                <a:latin typeface="Cordia New (Body)"/>
+              </a:rPr>
+              <a:t>FULL JOIN  : </a:t>
+            </a:r>
+            <a:r>
+              <a:rPr lang="th-TH" dirty="0">
+                <a:latin typeface="Cordia New (Body)"/>
+              </a:rPr>
+              <a:t>ทำการรวมแบบเต็มของ 2 </a:t>
+            </a:r>
+            <a:r>
+              <a:rPr lang="en-US" dirty="0">
+                <a:latin typeface="Cordia New (Body)"/>
+              </a:rPr>
+              <a:t>Tables </a:t>
+            </a:r>
+            <a:r>
+              <a:rPr lang="th-TH" dirty="0">
+                <a:latin typeface="Cordia New (Body)"/>
+              </a:rPr>
+              <a:t>จะรวมผลลัพธ์ของการรวมด้านซ้ายและการรวมด้านขวาทั้งหมด ถ้าแถวในตารางที่รวมไม่ตรงกันผลที่ได้มันจะ </a:t>
+            </a:r>
+            <a:r>
+              <a:rPr lang="en-US" dirty="0">
+                <a:latin typeface="Cordia New (Body)"/>
+              </a:rPr>
+              <a:t>set </a:t>
+            </a:r>
+            <a:r>
+              <a:rPr lang="th-TH" dirty="0">
+                <a:latin typeface="Cordia New (Body)"/>
+              </a:rPr>
+              <a:t>ค่า </a:t>
+            </a:r>
+            <a:r>
+              <a:rPr lang="en-US" dirty="0">
+                <a:latin typeface="Cordia New (Body)"/>
+              </a:rPr>
+              <a:t>NULL </a:t>
+            </a:r>
+            <a:r>
+              <a:rPr lang="th-TH" dirty="0">
+                <a:latin typeface="Cordia New (Body)"/>
+              </a:rPr>
+              <a:t>สำหรับทุกคอลัมน์ของตารางที่ไม่มีแถวที่ตรงกัน</a:t>
+            </a:r>
+            <a:r>
+              <a:rPr lang="en-US" dirty="0">
+                <a:latin typeface="Cordia New (Body)"/>
+              </a:rPr>
+              <a:t> </a:t>
+            </a:r>
+            <a:r>
+              <a:rPr lang="th-TH" dirty="0">
+                <a:latin typeface="Cordia New (Body)"/>
+              </a:rPr>
+              <a:t>ถ้าแถวจากตารางหนึ่งตรงกับแถวในอีกตารางหนึ่ง แถวผลลัพธ์จะมีคอลัมน์ที่สร้างจากคอลัมน์ของแถวจากทั้งสองตาราง</a:t>
+            </a:r>
+          </a:p>
+          <a:p>
+            <a:r>
+              <a:rPr lang="th-TH" dirty="0">
+                <a:latin typeface="Cordia New (Body)"/>
+              </a:rPr>
+              <a:t>ตัวอย่างเช่น </a:t>
+            </a:r>
+            <a:r>
+              <a:rPr lang="en-US" dirty="0">
+                <a:latin typeface="Cordia New (Body)"/>
+              </a:rPr>
+              <a:t>: SELECT * FROM A  FULL [OUTER] JOIN B on A.id = B.id;</a:t>
+            </a:r>
+            <a:r>
+              <a:rPr lang="th-TH" dirty="0">
+                <a:latin typeface="Cordia New (Body)"/>
+              </a:rPr>
+              <a:t>	--</a:t>
+            </a:r>
+            <a:r>
+              <a:rPr lang="en-US" dirty="0">
+                <a:latin typeface="Cordia New (Body)"/>
+              </a:rPr>
+              <a:t>(OUTER keyword is optional) </a:t>
+            </a:r>
+          </a:p>
+          <a:p>
+            <a:r>
+              <a:rPr lang="en-US" dirty="0">
+                <a:latin typeface="Cordia New (Body)"/>
+              </a:rPr>
+              <a:t>Noted: </a:t>
+            </a:r>
+            <a:r>
+              <a:rPr lang="th-TH" dirty="0">
+                <a:latin typeface="Cordia New (Body)"/>
+              </a:rPr>
+              <a:t>เป็นการ </a:t>
+            </a:r>
+            <a:r>
+              <a:rPr lang="en-US" dirty="0">
+                <a:latin typeface="Cordia New (Body)"/>
+              </a:rPr>
+              <a:t>JOIN </a:t>
+            </a:r>
+            <a:r>
+              <a:rPr lang="th-TH" dirty="0">
+                <a:latin typeface="Cordia New (Body)"/>
+              </a:rPr>
+              <a:t>แบบที่เอา </a:t>
+            </a:r>
+            <a:r>
+              <a:rPr lang="en-US" dirty="0">
+                <a:latin typeface="Cordia New (Body)"/>
+              </a:rPr>
+              <a:t>data </a:t>
+            </a:r>
+            <a:r>
+              <a:rPr lang="th-TH" dirty="0">
+                <a:latin typeface="Cordia New (Body)"/>
+              </a:rPr>
+              <a:t>ของทั้ง 2 </a:t>
+            </a:r>
+            <a:r>
+              <a:rPr lang="en-US" dirty="0">
+                <a:latin typeface="Cordia New (Body)"/>
+              </a:rPr>
+              <a:t>Tables </a:t>
+            </a:r>
+            <a:r>
+              <a:rPr lang="th-TH" dirty="0">
+                <a:latin typeface="Cordia New (Body)"/>
+              </a:rPr>
+              <a:t>มาโชว์ที่ผลลัพธ์ทั้งหมดไม่มีข้อยกเว้น</a:t>
+            </a:r>
+            <a:endParaRPr lang="en-US" dirty="0">
+              <a:latin typeface="Cordia New (Body)"/>
+            </a:endParaRPr>
+          </a:p>
+          <a:p>
+            <a:r>
+              <a:rPr lang="en-US" dirty="0">
+                <a:latin typeface="Cordia New (Body)"/>
+              </a:rPr>
+              <a:t>            </a:t>
+            </a:r>
+            <a:r>
+              <a:rPr lang="th-TH" dirty="0">
+                <a:latin typeface="Cordia New (Body)"/>
+              </a:rPr>
+              <a:t>และในบาง </a:t>
+            </a:r>
+            <a:r>
+              <a:rPr lang="en-US" dirty="0">
+                <a:latin typeface="Cordia New (Body)"/>
+              </a:rPr>
+              <a:t>select query </a:t>
+            </a:r>
+            <a:r>
+              <a:rPr lang="th-TH" dirty="0">
+                <a:latin typeface="Cordia New (Body)"/>
+              </a:rPr>
+              <a:t>หากเราใช้ </a:t>
+            </a:r>
+            <a:r>
+              <a:rPr lang="en-US" dirty="0">
+                <a:latin typeface="Cordia New (Body)"/>
+              </a:rPr>
+              <a:t>LEFT JOIN UNION RIGHT JOIN </a:t>
+            </a:r>
+            <a:r>
+              <a:rPr lang="th-TH" dirty="0">
+                <a:latin typeface="Cordia New (Body)"/>
+              </a:rPr>
+              <a:t>แบบไม่มี </a:t>
+            </a:r>
+            <a:r>
+              <a:rPr lang="en-US" dirty="0">
+                <a:latin typeface="Cordia New (Body)"/>
+              </a:rPr>
+              <a:t>Where clauses </a:t>
+            </a:r>
+            <a:r>
+              <a:rPr lang="th-TH" dirty="0">
+                <a:latin typeface="Cordia New (Body)"/>
+              </a:rPr>
+              <a:t>จะได้ค่า</a:t>
+            </a:r>
+            <a:r>
+              <a:rPr lang="th-TH" dirty="0" err="1">
+                <a:latin typeface="Cordia New (Body)"/>
+              </a:rPr>
+              <a:t>เท่าๆกัน</a:t>
+            </a:r>
+            <a:r>
+              <a:rPr lang="th-TH" dirty="0">
+                <a:latin typeface="Cordia New (Body)"/>
+              </a:rPr>
+              <a:t>กับ </a:t>
+            </a:r>
+            <a:r>
+              <a:rPr lang="en-US" dirty="0">
+                <a:latin typeface="Cordia New (Body)"/>
+              </a:rPr>
+              <a:t>FULL JOIN </a:t>
+            </a:r>
+            <a:r>
+              <a:rPr lang="th-TH" dirty="0">
+                <a:latin typeface="Cordia New (Body)"/>
+              </a:rPr>
+              <a:t>ได้เช่นกัน</a:t>
+            </a:r>
+            <a:endParaRPr lang="en-US" dirty="0">
+              <a:latin typeface="Cordia New (Body)"/>
+            </a:endParaRPr>
+          </a:p>
+          <a:p>
+            <a:endParaRPr lang="en-US" dirty="0">
+              <a:latin typeface="Cordia New (Body)"/>
+            </a:endParaRPr>
+          </a:p>
+          <a:p>
+            <a:r>
+              <a:rPr lang="th-TH" dirty="0">
+                <a:latin typeface="Cordia New (Body)"/>
+              </a:rPr>
+              <a:t>การเชื่อมแบบ </a:t>
+            </a:r>
+            <a:r>
+              <a:rPr lang="en-US" dirty="0">
+                <a:latin typeface="Cordia New (Body)"/>
+              </a:rPr>
+              <a:t>LEFT OUTER JOIN  :  </a:t>
+            </a:r>
+            <a:r>
+              <a:rPr lang="th-TH" dirty="0">
+                <a:latin typeface="Cordia New (Body)"/>
+              </a:rPr>
+              <a:t>เป็นผลลัพธ์รวมโดยเลือกข้อมูลจากตารางด้านซ้ายหากเท่ากันกับตารางด้านขวา สำหรับแต่ละแถวในตารางด้านซ้าย</a:t>
+            </a:r>
+            <a:endParaRPr lang="en-US" dirty="0">
+              <a:latin typeface="Cordia New (Body)"/>
+            </a:endParaRPr>
+          </a:p>
+          <a:p>
+            <a:r>
+              <a:rPr lang="th-TH" dirty="0">
+                <a:latin typeface="Cordia New (Body)"/>
+              </a:rPr>
+              <a:t>ตามเงื่อนไข</a:t>
+            </a:r>
+            <a:r>
+              <a:rPr lang="en-US" dirty="0">
+                <a:latin typeface="Cordia New (Body)"/>
+              </a:rPr>
+              <a:t> </a:t>
+            </a:r>
+            <a:r>
+              <a:rPr lang="th-TH" dirty="0">
+                <a:latin typeface="Cordia New (Body)"/>
+              </a:rPr>
+              <a:t>โดยเติมคอลัมน์ที่มาจากตารางด้านขวาด้วย </a:t>
+            </a:r>
+            <a:r>
+              <a:rPr lang="en-US" dirty="0">
+                <a:latin typeface="Cordia New (Body)"/>
+              </a:rPr>
+              <a:t>NULL</a:t>
+            </a:r>
+          </a:p>
+          <a:p>
+            <a:r>
+              <a:rPr lang="th-TH" dirty="0">
+                <a:latin typeface="Cordia New (Body)"/>
+              </a:rPr>
+              <a:t>ตัวอย่างเช่น </a:t>
+            </a:r>
+            <a:r>
+              <a:rPr lang="en-US" dirty="0">
+                <a:latin typeface="Cordia New (Body)"/>
+              </a:rPr>
+              <a:t>: SELECT</a:t>
+            </a:r>
+            <a:r>
+              <a:rPr lang="th-TH" dirty="0">
+                <a:latin typeface="Cordia New (Body)"/>
+              </a:rPr>
+              <a:t> </a:t>
+            </a:r>
+            <a:r>
+              <a:rPr lang="en-US" dirty="0" err="1">
+                <a:latin typeface="Cordia New (Body)"/>
+              </a:rPr>
+              <a:t>f.film_id</a:t>
+            </a:r>
+            <a:r>
+              <a:rPr lang="en-US" dirty="0">
+                <a:latin typeface="Cordia New (Body)"/>
+              </a:rPr>
+              <a:t>,</a:t>
+            </a:r>
+            <a:r>
+              <a:rPr lang="th-TH" dirty="0">
+                <a:latin typeface="Cordia New (Body)"/>
+              </a:rPr>
+              <a:t> </a:t>
+            </a:r>
+            <a:r>
+              <a:rPr lang="en-US" dirty="0">
+                <a:latin typeface="Cordia New (Body)"/>
+              </a:rPr>
+              <a:t>title,</a:t>
+            </a:r>
+            <a:r>
+              <a:rPr lang="th-TH" dirty="0">
+                <a:latin typeface="Cordia New (Body)"/>
+              </a:rPr>
+              <a:t> </a:t>
+            </a:r>
+            <a:r>
+              <a:rPr lang="en-US" dirty="0" err="1">
+                <a:latin typeface="Cordia New (Body)"/>
+              </a:rPr>
+              <a:t>inventory_id</a:t>
+            </a:r>
+            <a:r>
+              <a:rPr lang="th-TH" dirty="0">
+                <a:latin typeface="Cordia New (Body)"/>
+              </a:rPr>
+              <a:t> </a:t>
+            </a:r>
+            <a:r>
+              <a:rPr lang="en-US" dirty="0">
+                <a:latin typeface="Cordia New (Body)"/>
+              </a:rPr>
+              <a:t>FROM</a:t>
+            </a:r>
+            <a:r>
+              <a:rPr lang="th-TH" dirty="0">
+                <a:latin typeface="Cordia New (Body)"/>
+              </a:rPr>
+              <a:t> </a:t>
+            </a:r>
+            <a:r>
+              <a:rPr lang="en-US" dirty="0">
+                <a:latin typeface="Cordia New (Body)"/>
+              </a:rPr>
+              <a:t>film f</a:t>
+            </a:r>
+            <a:r>
+              <a:rPr lang="th-TH" dirty="0">
+                <a:latin typeface="Cordia New (Body)"/>
+              </a:rPr>
+              <a:t>   </a:t>
+            </a:r>
+            <a:r>
+              <a:rPr lang="en-US" dirty="0">
+                <a:latin typeface="Cordia New (Body)"/>
+              </a:rPr>
+              <a:t>LEFT JOIN inventory </a:t>
+            </a:r>
+            <a:r>
+              <a:rPr lang="en-US" dirty="0" err="1">
+                <a:latin typeface="Cordia New (Body)"/>
+              </a:rPr>
+              <a:t>i</a:t>
+            </a:r>
+            <a:r>
+              <a:rPr lang="en-US" dirty="0">
+                <a:latin typeface="Cordia New (Body)"/>
+              </a:rPr>
+              <a:t> USING (</a:t>
+            </a:r>
+            <a:r>
+              <a:rPr lang="en-US" dirty="0" err="1">
+                <a:latin typeface="Cordia New (Body)"/>
+              </a:rPr>
+              <a:t>film_id</a:t>
+            </a:r>
+            <a:r>
+              <a:rPr lang="en-US" dirty="0">
+                <a:latin typeface="Cordia New (Body)"/>
+              </a:rPr>
+              <a:t>)</a:t>
+            </a:r>
+            <a:r>
+              <a:rPr lang="th-TH" dirty="0">
+                <a:latin typeface="Cordia New (Body)"/>
+              </a:rPr>
+              <a:t>  </a:t>
+            </a:r>
+          </a:p>
+          <a:p>
+            <a:r>
+              <a:rPr lang="th-TH" dirty="0">
+                <a:latin typeface="Cordia New (Body)"/>
+              </a:rPr>
+              <a:t>	</a:t>
+            </a:r>
+            <a:r>
+              <a:rPr lang="en-US" dirty="0">
+                <a:latin typeface="Cordia New (Body)"/>
+              </a:rPr>
+              <a:t>WHERE </a:t>
+            </a:r>
+            <a:r>
+              <a:rPr lang="en-US" dirty="0" err="1">
+                <a:latin typeface="Cordia New (Body)"/>
+              </a:rPr>
+              <a:t>i.film_id</a:t>
+            </a:r>
+            <a:r>
+              <a:rPr lang="en-US" dirty="0">
+                <a:latin typeface="Cordia New (Body)"/>
+              </a:rPr>
+              <a:t> IS NULL</a:t>
+            </a:r>
+            <a:r>
+              <a:rPr lang="th-TH" dirty="0">
+                <a:latin typeface="Cordia New (Body)"/>
+              </a:rPr>
+              <a:t> </a:t>
+            </a:r>
+            <a:r>
+              <a:rPr lang="en-US" dirty="0">
+                <a:latin typeface="Cordia New (Body)"/>
+              </a:rPr>
+              <a:t>ORDER BY title;</a:t>
+            </a:r>
+          </a:p>
+          <a:p>
+            <a:endParaRPr lang="en-US" dirty="0">
+              <a:latin typeface="Cordia New (Body)"/>
+            </a:endParaRPr>
+          </a:p>
+          <a:p>
+            <a:r>
+              <a:rPr lang="th-TH" dirty="0">
+                <a:latin typeface="Cordia New (Body)"/>
+              </a:rPr>
+              <a:t>การเชื่อมแบบ </a:t>
+            </a:r>
+            <a:r>
+              <a:rPr lang="en-US" dirty="0">
+                <a:latin typeface="Cordia New (Body)"/>
+              </a:rPr>
+              <a:t> RIGHT OUTER JOIN</a:t>
+            </a:r>
+            <a:r>
+              <a:rPr lang="th-TH" dirty="0">
+                <a:latin typeface="Cordia New (Body)"/>
+              </a:rPr>
+              <a:t>  </a:t>
+            </a:r>
+            <a:r>
+              <a:rPr lang="en-US" dirty="0">
+                <a:latin typeface="Cordia New (Body)"/>
+              </a:rPr>
+              <a:t>:  </a:t>
+            </a:r>
+            <a:r>
+              <a:rPr lang="th-TH" dirty="0">
+                <a:latin typeface="Cordia New (Body)"/>
+              </a:rPr>
+              <a:t>เลือกข้อมูลจากตารางด้านขวาหากเท่ากันกับตารางด้านซ้าย ประกอบด้วยคอลัมน์จากทั้งสองตารางและรวมแถวใหม่</a:t>
+            </a:r>
+          </a:p>
+          <a:p>
+            <a:r>
+              <a:rPr lang="th-TH" dirty="0">
+                <a:latin typeface="Cordia New (Body)"/>
+              </a:rPr>
+              <a:t>นี้ในชุดผลลัพธ์และเติมคอลัมน์จากตารางด้านซ้ายด้วย </a:t>
+            </a:r>
+            <a:r>
+              <a:rPr lang="en-US" dirty="0">
+                <a:latin typeface="Cordia New (Body)"/>
+              </a:rPr>
+              <a:t>NULL</a:t>
+            </a:r>
+            <a:r>
+              <a:rPr lang="th-TH" dirty="0">
+                <a:latin typeface="Cordia New (Body)"/>
+              </a:rPr>
+              <a:t> </a:t>
+            </a:r>
+            <a:r>
+              <a:rPr lang="en-US" dirty="0">
+                <a:latin typeface="Cordia New (Body)"/>
+              </a:rPr>
+              <a:t>(</a:t>
+            </a:r>
+            <a:r>
+              <a:rPr lang="th-TH" dirty="0">
+                <a:latin typeface="Cordia New (Body)"/>
+              </a:rPr>
+              <a:t>จะเลือกแถวทั้งหมดจากตารางด้านขวาไม่ว่าจะมีแถวที่ตรงกันจากตารางด้านซ้ายหรือไม่</a:t>
+            </a:r>
+            <a:r>
+              <a:rPr lang="en-US" dirty="0">
+                <a:latin typeface="Cordia New (Body)"/>
+              </a:rPr>
+              <a:t>)</a:t>
+            </a:r>
+          </a:p>
+          <a:p>
+            <a:r>
+              <a:rPr lang="th-TH" dirty="0">
+                <a:latin typeface="Cordia New (Body)"/>
+              </a:rPr>
+              <a:t>ตัวอย่างเช่น </a:t>
+            </a:r>
+            <a:r>
+              <a:rPr lang="en-US" dirty="0">
+                <a:latin typeface="Cordia New (Body)"/>
+              </a:rPr>
+              <a:t>: SELECT review, title  FROM films   RIGHT JOIN </a:t>
+            </a:r>
+            <a:r>
+              <a:rPr lang="en-US" dirty="0" err="1">
+                <a:latin typeface="Cordia New (Body)"/>
+              </a:rPr>
+              <a:t>film_reviews</a:t>
+            </a:r>
+            <a:r>
+              <a:rPr lang="en-US" dirty="0">
+                <a:latin typeface="Cordia New (Body)"/>
+              </a:rPr>
+              <a:t> using (</a:t>
+            </a:r>
+            <a:r>
+              <a:rPr lang="en-US" dirty="0" err="1">
+                <a:latin typeface="Cordia New (Body)"/>
+              </a:rPr>
+              <a:t>film_id</a:t>
+            </a:r>
+            <a:r>
+              <a:rPr lang="en-US" dirty="0">
+                <a:latin typeface="Cordia New (Body)"/>
+              </a:rPr>
+              <a:t>)  WHERE title IS NULL;</a:t>
+            </a:r>
+          </a:p>
+          <a:p>
+            <a:r>
+              <a:rPr lang="en-US" dirty="0">
+                <a:latin typeface="Cordia New (Body)"/>
+              </a:rPr>
+              <a:t>Noted: </a:t>
+            </a:r>
+            <a:r>
+              <a:rPr lang="th-TH" dirty="0">
+                <a:latin typeface="Cordia New (Body)"/>
+              </a:rPr>
+              <a:t>ให้ระวังการนำตัวเลขมากระทำทางคณิตศาสตร์ด้วยเครื่องหมาย +</a:t>
+            </a:r>
+            <a:r>
+              <a:rPr lang="en-US" dirty="0">
+                <a:latin typeface="Cordia New (Body)"/>
+              </a:rPr>
+              <a:t>,-,*,/ </a:t>
+            </a:r>
+            <a:r>
+              <a:rPr lang="th-TH" dirty="0">
+                <a:latin typeface="Cordia New (Body)"/>
+              </a:rPr>
+              <a:t>หรืออื่นๆกับค่า </a:t>
+            </a:r>
+            <a:r>
+              <a:rPr lang="en-US" dirty="0">
+                <a:latin typeface="Cordia New (Body)"/>
+              </a:rPr>
+              <a:t>NULL </a:t>
+            </a:r>
+            <a:r>
+              <a:rPr lang="th-TH" dirty="0">
+                <a:latin typeface="Cordia New (Body)"/>
+              </a:rPr>
+              <a:t>ในผลลัพธ์กับตารางจะได้ค่าออกมาเป็น </a:t>
+            </a:r>
+            <a:r>
+              <a:rPr lang="en-US" dirty="0">
+                <a:latin typeface="Cordia New (Body)"/>
+              </a:rPr>
+              <a:t>NULL </a:t>
+            </a:r>
+            <a:r>
+              <a:rPr lang="th-TH" dirty="0">
+                <a:latin typeface="Cordia New (Body)"/>
+              </a:rPr>
+              <a:t>ควรใช้ </a:t>
+            </a:r>
+          </a:p>
+          <a:p>
+            <a:r>
+              <a:rPr lang="en-US" dirty="0">
+                <a:latin typeface="Cordia New (Body)"/>
+              </a:rPr>
+              <a:t>Coalesce() function </a:t>
+            </a:r>
+            <a:r>
+              <a:rPr lang="th-TH" dirty="0">
+                <a:latin typeface="Cordia New (Body)"/>
+              </a:rPr>
+              <a:t>มาช่วยในการแปลง </a:t>
+            </a:r>
+            <a:r>
+              <a:rPr lang="en-US" dirty="0">
+                <a:latin typeface="Cordia New (Body)"/>
+              </a:rPr>
+              <a:t>NULL </a:t>
+            </a:r>
+            <a:r>
+              <a:rPr lang="th-TH" dirty="0">
+                <a:latin typeface="Cordia New (Body)"/>
+              </a:rPr>
+              <a:t>เป็น 0 ก่อนนำไปคำนวณ</a:t>
+            </a:r>
+            <a:endParaRPr lang="en-US" dirty="0">
+              <a:latin typeface="Cordia New (Body)"/>
+            </a:endParaRPr>
+          </a:p>
+          <a:p>
+            <a:endParaRPr lang="th-TH" dirty="0"/>
+          </a:p>
+          <a:p>
+            <a:r>
+              <a:rPr lang="th-TH" dirty="0"/>
+              <a:t>การเชื่อมภายในตาราง</a:t>
+            </a:r>
+            <a:r>
+              <a:rPr lang="th-TH" dirty="0">
+                <a:latin typeface="Cordia New (Body)"/>
+              </a:rPr>
+              <a:t>เดียวกัน (</a:t>
+            </a:r>
+            <a:r>
+              <a:rPr lang="en-US" dirty="0">
+                <a:latin typeface="Cordia New (Body)"/>
+              </a:rPr>
+              <a:t>SELF JOIN</a:t>
+            </a:r>
+            <a:r>
+              <a:rPr lang="th-TH" dirty="0">
+                <a:latin typeface="Cordia New (Body)"/>
+              </a:rPr>
+              <a:t> หรือ </a:t>
+            </a:r>
+            <a:r>
+              <a:rPr lang="en-US" dirty="0">
+                <a:latin typeface="Cordia New (Body)"/>
+              </a:rPr>
+              <a:t>INNER JOIN)  :  </a:t>
+            </a:r>
+            <a:r>
+              <a:rPr lang="th-TH" dirty="0">
+                <a:latin typeface="Cordia New (Body)"/>
+              </a:rPr>
+              <a:t>เป็นการรวมปกติที่รวมตารางเข้ากับตัวเองมักจะใช้เพื่อสืบค้นข้อมูลแบบลำดับชั้นหรือเพื่อเปรียบเทียบแถวภายในตารางเดียวกันโดยจะต้องระบุตารางเดียวกัน 2 ครั้งโดยใช้ </a:t>
+            </a:r>
+            <a:r>
+              <a:rPr lang="en-US" dirty="0">
+                <a:latin typeface="Cordia New (Body)"/>
+              </a:rPr>
+              <a:t>table aliases </a:t>
+            </a:r>
+            <a:r>
+              <a:rPr lang="th-TH" dirty="0">
+                <a:latin typeface="Cordia New (Body)"/>
+              </a:rPr>
+              <a:t>ที่แตกต่างกันใน </a:t>
+            </a:r>
+            <a:r>
+              <a:rPr lang="en-US" dirty="0">
+                <a:latin typeface="Cordia New (Body)"/>
+              </a:rPr>
+              <a:t>query (</a:t>
+            </a:r>
+            <a:r>
+              <a:rPr lang="th-TH" dirty="0" err="1">
+                <a:latin typeface="Cordia New (Body)"/>
+              </a:rPr>
+              <a:t>การทำ</a:t>
+            </a:r>
+            <a:r>
+              <a:rPr lang="th-TH" dirty="0">
+                <a:latin typeface="Cordia New (Body)"/>
+              </a:rPr>
+              <a:t>ตารางเสมือนด้วยตารางเดิมเป็นตารางใหม่เพื่อ </a:t>
+            </a:r>
+            <a:r>
+              <a:rPr lang="en-US" dirty="0">
+                <a:latin typeface="Cordia New (Body)"/>
+              </a:rPr>
+              <a:t>JOIN </a:t>
+            </a:r>
+            <a:r>
+              <a:rPr lang="th-TH" dirty="0">
+                <a:latin typeface="Cordia New (Body)"/>
+              </a:rPr>
+              <a:t>กัน</a:t>
+            </a:r>
+            <a:r>
+              <a:rPr lang="en-US" dirty="0">
+                <a:latin typeface="Cordia New (Body)"/>
+              </a:rPr>
+              <a:t>)</a:t>
+            </a:r>
+          </a:p>
+          <a:p>
+            <a:r>
+              <a:rPr lang="th-TH" dirty="0">
+                <a:latin typeface="Cordia New (Body)"/>
+              </a:rPr>
+              <a:t>ตัวอย่างเช่น </a:t>
+            </a:r>
+            <a:r>
+              <a:rPr lang="en-US" dirty="0">
+                <a:latin typeface="Cordia New (Body)"/>
+              </a:rPr>
+              <a:t>: </a:t>
+            </a:r>
+            <a:r>
+              <a:rPr lang="th-TH" dirty="0">
+                <a:latin typeface="Cordia New (Body)"/>
+              </a:rPr>
+              <a:t>	</a:t>
+            </a:r>
+            <a:r>
+              <a:rPr lang="en-US" dirty="0">
+                <a:latin typeface="Cordia New (Body)"/>
+              </a:rPr>
+              <a:t>SELECT</a:t>
+            </a:r>
+            <a:r>
+              <a:rPr lang="th-TH" dirty="0">
+                <a:latin typeface="Cordia New (Body)"/>
+              </a:rPr>
+              <a:t>  </a:t>
+            </a:r>
+            <a:r>
+              <a:rPr lang="en-US" dirty="0" err="1">
+                <a:latin typeface="Cordia New (Body)"/>
+              </a:rPr>
+              <a:t>e.first_name</a:t>
+            </a:r>
+            <a:r>
+              <a:rPr lang="en-US" dirty="0">
+                <a:latin typeface="Cordia New (Body)"/>
+              </a:rPr>
+              <a:t> || ' ' || </a:t>
+            </a:r>
+            <a:r>
+              <a:rPr lang="en-US" dirty="0" err="1">
+                <a:latin typeface="Cordia New (Body)"/>
+              </a:rPr>
+              <a:t>e.last_name</a:t>
+            </a:r>
+            <a:r>
+              <a:rPr lang="en-US" dirty="0">
+                <a:latin typeface="Cordia New (Body)"/>
+              </a:rPr>
+              <a:t> employee,</a:t>
+            </a:r>
+            <a:r>
+              <a:rPr lang="th-TH" dirty="0">
+                <a:latin typeface="Cordia New (Body)"/>
+              </a:rPr>
+              <a:t> </a:t>
+            </a:r>
+            <a:r>
+              <a:rPr lang="en-US" dirty="0">
+                <a:latin typeface="Cordia New (Body)"/>
+              </a:rPr>
+              <a:t>m .</a:t>
+            </a:r>
+            <a:r>
+              <a:rPr lang="en-US" dirty="0" err="1">
+                <a:latin typeface="Cordia New (Body)"/>
+              </a:rPr>
+              <a:t>first_name</a:t>
+            </a:r>
+            <a:r>
+              <a:rPr lang="en-US" dirty="0">
+                <a:latin typeface="Cordia New (Body)"/>
+              </a:rPr>
+              <a:t> || ' ' || m .</a:t>
+            </a:r>
+            <a:r>
+              <a:rPr lang="en-US" dirty="0" err="1">
+                <a:latin typeface="Cordia New (Body)"/>
+              </a:rPr>
+              <a:t>last_name</a:t>
+            </a:r>
+            <a:r>
+              <a:rPr lang="en-US" dirty="0">
+                <a:latin typeface="Cordia New (Body)"/>
+              </a:rPr>
+              <a:t> manager</a:t>
+            </a:r>
+            <a:r>
+              <a:rPr lang="th-TH" dirty="0">
+                <a:latin typeface="Cordia New (Body)"/>
+              </a:rPr>
+              <a:t>  </a:t>
+            </a:r>
+            <a:r>
+              <a:rPr lang="en-US" dirty="0">
+                <a:latin typeface="Cordia New (Body)"/>
+              </a:rPr>
+              <a:t>FROM</a:t>
+            </a:r>
+            <a:r>
+              <a:rPr lang="th-TH" dirty="0">
+                <a:latin typeface="Cordia New (Body)"/>
+              </a:rPr>
+              <a:t>  </a:t>
+            </a:r>
+            <a:r>
+              <a:rPr lang="en-US" dirty="0">
+                <a:latin typeface="Cordia New (Body)"/>
+              </a:rPr>
+              <a:t>employee e</a:t>
+            </a:r>
+          </a:p>
+          <a:p>
+            <a:r>
+              <a:rPr lang="th-TH" dirty="0">
+                <a:latin typeface="Cordia New (Body)"/>
+              </a:rPr>
+              <a:t>	</a:t>
+            </a:r>
+            <a:r>
+              <a:rPr lang="en-US" dirty="0">
+                <a:solidFill>
+                  <a:schemeClr val="bg1"/>
+                </a:solidFill>
+                <a:latin typeface="Cordia New (Body)"/>
+              </a:rPr>
+              <a:t>INNER JOIN employee m ON m .</a:t>
+            </a:r>
+            <a:r>
+              <a:rPr lang="en-US" dirty="0" err="1">
+                <a:solidFill>
+                  <a:schemeClr val="bg1"/>
+                </a:solidFill>
+                <a:latin typeface="Cordia New (Body)"/>
+              </a:rPr>
+              <a:t>employee_id</a:t>
+            </a:r>
+            <a:r>
+              <a:rPr lang="en-US" dirty="0">
+                <a:solidFill>
+                  <a:schemeClr val="bg1"/>
+                </a:solidFill>
+                <a:latin typeface="Cordia New (Body)"/>
+              </a:rPr>
+              <a:t> = </a:t>
+            </a:r>
+            <a:r>
+              <a:rPr lang="en-US" dirty="0" err="1">
+                <a:solidFill>
+                  <a:schemeClr val="bg1"/>
+                </a:solidFill>
+                <a:latin typeface="Cordia New (Body)"/>
+              </a:rPr>
+              <a:t>e.manager_id</a:t>
+            </a:r>
+            <a:r>
+              <a:rPr lang="th-TH" dirty="0">
+                <a:solidFill>
+                  <a:schemeClr val="bg1"/>
+                </a:solidFill>
+                <a:latin typeface="Cordia New (Body)"/>
+              </a:rPr>
+              <a:t>  </a:t>
+            </a:r>
+            <a:r>
+              <a:rPr lang="en-US" dirty="0">
+                <a:solidFill>
+                  <a:schemeClr val="bg1"/>
+                </a:solidFill>
+                <a:latin typeface="Cordia New (Body)"/>
+              </a:rPr>
+              <a:t>ORDER BY manager</a:t>
+            </a:r>
+            <a:r>
+              <a:rPr lang="en-US" dirty="0">
+                <a:latin typeface="Cordia New (Body)"/>
+              </a:rPr>
+              <a:t>;</a:t>
+            </a:r>
+          </a:p>
+        </p:txBody>
+      </p:sp>
+      <p:sp>
+        <p:nvSpPr>
+          <p:cNvPr id="3" name="Slide Number Placeholder 2">
+            <a:extLst>
+              <a:ext uri="{FF2B5EF4-FFF2-40B4-BE49-F238E27FC236}">
+                <a16:creationId xmlns:a16="http://schemas.microsoft.com/office/drawing/2014/main" id="{40F633A9-8075-9C14-7185-C7C7238E6455}"/>
+              </a:ext>
+            </a:extLst>
+          </p:cNvPr>
+          <p:cNvSpPr>
+            <a:spLocks noGrp="1"/>
+          </p:cNvSpPr>
+          <p:nvPr>
+            <p:ph type="sldNum" sz="quarter" idx="12"/>
+          </p:nvPr>
+        </p:nvSpPr>
+        <p:spPr/>
+        <p:txBody>
+          <a:bodyPr/>
+          <a:lstStyle/>
+          <a:p>
+            <a:fld id="{3A98EE3D-8CD1-4C3F-BD1C-C98C9596463C}" type="slidenum">
+              <a:rPr lang="en-US" smtClean="0"/>
+              <a:t>25</a:t>
+            </a:fld>
+            <a:endParaRPr lang="en-US" dirty="0"/>
+          </a:p>
+        </p:txBody>
+      </p:sp>
+      <p:pic>
+        <p:nvPicPr>
+          <p:cNvPr id="2050" name="Picture 2" descr="PostgreSQL Full Join">
+            <a:extLst>
+              <a:ext uri="{FF2B5EF4-FFF2-40B4-BE49-F238E27FC236}">
+                <a16:creationId xmlns:a16="http://schemas.microsoft.com/office/drawing/2014/main" id="{64E3E80D-4466-A8AC-3E6B-09CFD32602E1}"/>
+              </a:ext>
+            </a:extLst>
+          </p:cNvPr>
+          <p:cNvPicPr>
+            <a:picLocks noChangeAspect="1" noChangeArrowheads="1"/>
+          </p:cNvPicPr>
+          <p:nvPr/>
+        </p:nvPicPr>
+        <p:blipFill>
+          <a:blip r:embed="rId3">
+            <a:extLst>
+              <a:ext uri="{28A0092B-C50C-407E-A947-70E740481C1C}">
+                <a14:useLocalDpi xmlns:a14="http://schemas.microsoft.com/office/drawing/2010/main" val="0"/>
+              </a:ext>
+            </a:extLst>
+          </a:blip>
+          <a:srcRect/>
+          <a:stretch>
+            <a:fillRect/>
+          </a:stretch>
+        </p:blipFill>
+        <p:spPr bwMode="auto">
+          <a:xfrm>
+            <a:off x="10264528" y="1419476"/>
+            <a:ext cx="1458108" cy="1006095"/>
+          </a:xfrm>
+          <a:prstGeom prst="rect">
+            <a:avLst/>
+          </a:prstGeom>
+          <a:noFill/>
+          <a:extLst>
+            <a:ext uri="{909E8E84-426E-40DD-AFC4-6F175D3DCCD1}">
+              <a14:hiddenFill xmlns:a14="http://schemas.microsoft.com/office/drawing/2010/main">
+                <a:solidFill>
+                  <a:srgbClr val="FFFFFF"/>
+                </a:solidFill>
+              </a14:hiddenFill>
+            </a:ext>
+          </a:extLst>
+        </p:spPr>
+      </p:pic>
+      <p:pic>
+        <p:nvPicPr>
+          <p:cNvPr id="2052" name="Picture 4" descr="PostgreSQL Join - Left Join">
+            <a:extLst>
+              <a:ext uri="{FF2B5EF4-FFF2-40B4-BE49-F238E27FC236}">
+                <a16:creationId xmlns:a16="http://schemas.microsoft.com/office/drawing/2014/main" id="{52DE44DC-AD99-0261-A9F8-49B5430CCC30}"/>
+              </a:ext>
+            </a:extLst>
+          </p:cNvPr>
+          <p:cNvPicPr>
+            <a:picLocks noChangeAspect="1" noChangeArrowheads="1"/>
+          </p:cNvPicPr>
+          <p:nvPr/>
+        </p:nvPicPr>
+        <p:blipFill>
+          <a:blip r:embed="rId4">
+            <a:extLst>
+              <a:ext uri="{28A0092B-C50C-407E-A947-70E740481C1C}">
+                <a14:useLocalDpi xmlns:a14="http://schemas.microsoft.com/office/drawing/2010/main" val="0"/>
+              </a:ext>
+            </a:extLst>
+          </a:blip>
+          <a:srcRect/>
+          <a:stretch>
+            <a:fillRect/>
+          </a:stretch>
+        </p:blipFill>
+        <p:spPr bwMode="auto">
+          <a:xfrm>
+            <a:off x="10262674" y="2534284"/>
+            <a:ext cx="1459962" cy="1120077"/>
+          </a:xfrm>
+          <a:prstGeom prst="rect">
+            <a:avLst/>
+          </a:prstGeom>
+          <a:noFill/>
+          <a:extLst>
+            <a:ext uri="{909E8E84-426E-40DD-AFC4-6F175D3DCCD1}">
+              <a14:hiddenFill xmlns:a14="http://schemas.microsoft.com/office/drawing/2010/main">
+                <a:solidFill>
+                  <a:srgbClr val="FFFFFF"/>
+                </a:solidFill>
+              </a14:hiddenFill>
+            </a:ext>
+          </a:extLst>
+        </p:spPr>
+      </p:pic>
+      <p:pic>
+        <p:nvPicPr>
+          <p:cNvPr id="2054" name="Picture 6" descr="PostgreSQL Join - Right Join">
+            <a:extLst>
+              <a:ext uri="{FF2B5EF4-FFF2-40B4-BE49-F238E27FC236}">
+                <a16:creationId xmlns:a16="http://schemas.microsoft.com/office/drawing/2014/main" id="{770DB57F-8C9C-3B2C-7175-EE264E38C22E}"/>
+              </a:ext>
+            </a:extLst>
+          </p:cNvPr>
+          <p:cNvPicPr>
+            <a:picLocks noChangeAspect="1" noChangeArrowheads="1"/>
+          </p:cNvPicPr>
+          <p:nvPr/>
+        </p:nvPicPr>
+        <p:blipFill>
+          <a:blip r:embed="rId5">
+            <a:extLst>
+              <a:ext uri="{28A0092B-C50C-407E-A947-70E740481C1C}">
+                <a14:useLocalDpi xmlns:a14="http://schemas.microsoft.com/office/drawing/2010/main" val="0"/>
+              </a:ext>
+            </a:extLst>
+          </a:blip>
+          <a:srcRect/>
+          <a:stretch>
+            <a:fillRect/>
+          </a:stretch>
+        </p:blipFill>
+        <p:spPr bwMode="auto">
+          <a:xfrm>
+            <a:off x="10200253" y="3763076"/>
+            <a:ext cx="1556318" cy="1120077"/>
+          </a:xfrm>
+          <a:prstGeom prst="rect">
+            <a:avLst/>
+          </a:prstGeom>
+          <a:noFill/>
+          <a:extLst>
+            <a:ext uri="{909E8E84-426E-40DD-AFC4-6F175D3DCCD1}">
+              <a14:hiddenFill xmlns:a14="http://schemas.microsoft.com/office/drawing/2010/main">
+                <a:solidFill>
+                  <a:srgbClr val="FFFFFF"/>
+                </a:solidFill>
+              </a14:hiddenFill>
+            </a:ext>
+          </a:extLst>
+        </p:spPr>
+      </p:pic>
+    </p:spTree>
+    <p:extLst>
+      <p:ext uri="{BB962C8B-B14F-4D97-AF65-F5344CB8AC3E}">
+        <p14:creationId xmlns:p14="http://schemas.microsoft.com/office/powerpoint/2010/main" val="545733118"/>
+      </p:ext>
+    </p:extLst>
+  </p:cSld>
+  <p:clrMapOvr>
+    <a:masterClrMapping/>
+  </p:clrMapOvr>
+</p:sld>
+</file>
+
+<file path=ppt/slides/slide26.xml><?xml version="1.0" encoding="utf-8"?>
+<p:sld xmlns:a="http://schemas.openxmlformats.org/drawingml/2006/main" xmlns:r="http://schemas.openxmlformats.org/officeDocument/2006/relationships" xmlns:p="http://schemas.openxmlformats.org/presentationml/2006/main">
+  <p:cSld>
+    <p:spTree>
+      <p:nvGrpSpPr>
+        <p:cNvPr id="1" name=""/>
+        <p:cNvGrpSpPr/>
+        <p:nvPr/>
+      </p:nvGrpSpPr>
+      <p:grpSpPr>
+        <a:xfrm>
+          <a:off x="0" y="0"/>
+          <a:ext cx="0" cy="0"/>
+          <a:chOff x="0" y="0"/>
+          <a:chExt cx="0" cy="0"/>
+        </a:xfrm>
+      </p:grpSpPr>
+      <p:sp>
+        <p:nvSpPr>
+          <p:cNvPr id="5" name="TextBox 4">
+            <a:extLst>
+              <a:ext uri="{FF2B5EF4-FFF2-40B4-BE49-F238E27FC236}">
+                <a16:creationId xmlns:a16="http://schemas.microsoft.com/office/drawing/2014/main" id="{E96C669C-3601-6820-83F3-0CB2A5B2856C}"/>
+              </a:ext>
+            </a:extLst>
+          </p:cNvPr>
+          <p:cNvSpPr txBox="1"/>
+          <p:nvPr/>
+        </p:nvSpPr>
+        <p:spPr>
+          <a:xfrm>
+            <a:off x="310083" y="338666"/>
+            <a:ext cx="11446488" cy="523220"/>
+          </a:xfrm>
+          <a:prstGeom prst="rect">
+            <a:avLst/>
+          </a:prstGeom>
+          <a:noFill/>
+        </p:spPr>
+        <p:txBody>
+          <a:bodyPr wrap="square" rtlCol="0">
+            <a:spAutoFit/>
+          </a:bodyPr>
+          <a:lstStyle/>
+          <a:p>
+            <a:r>
+              <a:rPr lang="en-US" sz="2800" b="1" dirty="0">
+                <a:solidFill>
+                  <a:srgbClr val="002060"/>
+                </a:solidFill>
+              </a:rPr>
+              <a:t>PLSQL</a:t>
+            </a:r>
+            <a:r>
+              <a:rPr lang="th-TH" sz="2800" b="1" dirty="0">
+                <a:solidFill>
+                  <a:srgbClr val="002060"/>
+                </a:solidFill>
+              </a:rPr>
+              <a:t> </a:t>
+            </a:r>
+            <a:r>
+              <a:rPr lang="en-US" sz="2800" b="1" dirty="0">
+                <a:solidFill>
+                  <a:srgbClr val="002060"/>
+                </a:solidFill>
+              </a:rPr>
+              <a:t>: JOIN TABLE</a:t>
+            </a:r>
+            <a:r>
+              <a:rPr lang="th-TH" sz="2800" b="1" dirty="0">
+                <a:solidFill>
+                  <a:srgbClr val="002060"/>
+                </a:solidFill>
+              </a:rPr>
+              <a:t> </a:t>
+            </a:r>
+            <a:r>
+              <a:rPr lang="en-US" sz="2800" b="1" dirty="0">
+                <a:solidFill>
+                  <a:srgbClr val="002060"/>
+                </a:solidFill>
+              </a:rPr>
+              <a:t>(cont.) </a:t>
+            </a:r>
+          </a:p>
+        </p:txBody>
+      </p:sp>
+      <p:sp>
+        <p:nvSpPr>
+          <p:cNvPr id="2" name="TextBox 1">
+            <a:extLst>
+              <a:ext uri="{FF2B5EF4-FFF2-40B4-BE49-F238E27FC236}">
+                <a16:creationId xmlns:a16="http://schemas.microsoft.com/office/drawing/2014/main" id="{874D86FF-05D0-8EC0-EAC2-F372E4B370C0}"/>
+              </a:ext>
+            </a:extLst>
+          </p:cNvPr>
+          <p:cNvSpPr txBox="1"/>
+          <p:nvPr/>
+        </p:nvSpPr>
+        <p:spPr>
+          <a:xfrm>
+            <a:off x="435429" y="861885"/>
+            <a:ext cx="11446488" cy="4247317"/>
+          </a:xfrm>
+          <a:prstGeom prst="rect">
+            <a:avLst/>
+          </a:prstGeom>
+          <a:noFill/>
+        </p:spPr>
+        <p:txBody>
+          <a:bodyPr wrap="square">
+            <a:spAutoFit/>
+          </a:bodyPr>
+          <a:lstStyle/>
+          <a:p>
+            <a:r>
+              <a:rPr lang="th-TH" dirty="0">
+                <a:latin typeface="Cordia New (Body)"/>
+              </a:rPr>
+              <a:t>การเชื่อมแบบการทำงานของ </a:t>
+            </a:r>
+            <a:r>
+              <a:rPr lang="en-US" dirty="0">
+                <a:latin typeface="Cordia New (Body)"/>
+              </a:rPr>
+              <a:t>CROSS JOIN  :  </a:t>
+            </a:r>
+            <a:r>
+              <a:rPr lang="th-TH" dirty="0">
+                <a:latin typeface="Cordia New (Body)"/>
+              </a:rPr>
+              <a:t>เป็นการเชื่อมแบบไขว้มองแบบ </a:t>
+            </a:r>
+            <a:r>
+              <a:rPr lang="en-US" dirty="0">
+                <a:latin typeface="Cordia New (Body)"/>
+              </a:rPr>
+              <a:t>Table </a:t>
+            </a:r>
+            <a:r>
+              <a:rPr lang="th-TH" dirty="0">
+                <a:latin typeface="Cordia New (Body)"/>
+              </a:rPr>
+              <a:t>ว่าเป็น 2 </a:t>
+            </a:r>
+            <a:r>
+              <a:rPr lang="en-US" dirty="0">
+                <a:latin typeface="Cordia New (Body)"/>
+              </a:rPr>
+              <a:t>set</a:t>
+            </a:r>
+            <a:r>
+              <a:rPr lang="th-TH" dirty="0">
+                <a:latin typeface="Cordia New (Body)"/>
+              </a:rPr>
+              <a:t> นำมาทำได้เป็นผลลัพธ์แบบผลคูณ </a:t>
+            </a:r>
+            <a:r>
+              <a:rPr lang="en-US" dirty="0">
+                <a:latin typeface="Cordia New (Body)"/>
+              </a:rPr>
+              <a:t>Cartesian</a:t>
+            </a:r>
+            <a:endParaRPr lang="th-TH" dirty="0">
+              <a:latin typeface="Cordia New (Body)"/>
+            </a:endParaRPr>
+          </a:p>
+          <a:p>
+            <a:r>
+              <a:rPr lang="th-TH" dirty="0">
+                <a:latin typeface="Cordia New (Body)"/>
+              </a:rPr>
+              <a:t>แตกต่างจากส่วนคำสั่งการรวมอื่นๆ เช่น </a:t>
+            </a:r>
+            <a:r>
+              <a:rPr lang="en-US" dirty="0">
+                <a:latin typeface="Cordia New (Body)"/>
+              </a:rPr>
+              <a:t>LEFT JOIN, RIGHT JOIN </a:t>
+            </a:r>
+            <a:r>
+              <a:rPr lang="th-TH" dirty="0">
+                <a:latin typeface="Cordia New (Body)"/>
+              </a:rPr>
+              <a:t>หรือ </a:t>
+            </a:r>
+            <a:r>
+              <a:rPr lang="en-US" dirty="0">
+                <a:latin typeface="Cordia New (Body)"/>
+              </a:rPr>
+              <a:t>INNER JOIN </a:t>
+            </a:r>
+            <a:r>
+              <a:rPr lang="th-TH" dirty="0">
+                <a:latin typeface="Cordia New (Body)"/>
+              </a:rPr>
+              <a:t>เพราะ </a:t>
+            </a:r>
+            <a:r>
+              <a:rPr lang="en-US" dirty="0">
+                <a:latin typeface="Cordia New (Body)"/>
+              </a:rPr>
+              <a:t>CROSS JOIN</a:t>
+            </a:r>
+            <a:r>
+              <a:rPr lang="th-TH" dirty="0">
+                <a:latin typeface="Cordia New (Body)"/>
+              </a:rPr>
+              <a:t> ไม่มี </a:t>
+            </a:r>
+            <a:r>
+              <a:rPr lang="en-US" dirty="0">
+                <a:latin typeface="Cordia New (Body)"/>
+              </a:rPr>
+              <a:t>join predicate </a:t>
+            </a:r>
+            <a:endParaRPr lang="th-TH" dirty="0">
+              <a:latin typeface="Cordia New (Body)"/>
+            </a:endParaRPr>
+          </a:p>
+          <a:p>
+            <a:r>
+              <a:rPr lang="en-US" dirty="0">
+                <a:latin typeface="Cordia New (Body)"/>
+              </a:rPr>
+              <a:t>(</a:t>
+            </a:r>
+            <a:r>
+              <a:rPr lang="th-TH" dirty="0">
+                <a:latin typeface="Cordia New (Body)"/>
+              </a:rPr>
+              <a:t>คือ </a:t>
+            </a:r>
+            <a:r>
+              <a:rPr lang="en-US" dirty="0">
+                <a:latin typeface="Cordia New (Body)"/>
+              </a:rPr>
+              <a:t>ON</a:t>
+            </a:r>
+            <a:r>
+              <a:rPr lang="th-TH" dirty="0">
+                <a:latin typeface="Cordia New (Body)"/>
+              </a:rPr>
+              <a:t> </a:t>
+            </a:r>
+            <a:r>
+              <a:rPr lang="en-US" dirty="0">
+                <a:latin typeface="Cordia New (Body)"/>
+              </a:rPr>
+              <a:t>table1.field_key = table2.field_key)</a:t>
+            </a:r>
+            <a:endParaRPr lang="th-TH" dirty="0">
+              <a:latin typeface="Cordia New (Body)"/>
+            </a:endParaRPr>
+          </a:p>
+          <a:p>
+            <a:r>
+              <a:rPr lang="th-TH" dirty="0">
+                <a:latin typeface="Cordia New (Body)"/>
+              </a:rPr>
+              <a:t>รูปแบบ </a:t>
+            </a:r>
+            <a:r>
+              <a:rPr lang="en-US" dirty="0">
+                <a:latin typeface="Cordia New (Body)"/>
+              </a:rPr>
+              <a:t>: </a:t>
+            </a:r>
+            <a:r>
+              <a:rPr lang="th-TH" dirty="0">
+                <a:latin typeface="Cordia New (Body)"/>
+              </a:rPr>
+              <a:t>	</a:t>
+            </a:r>
+            <a:r>
+              <a:rPr lang="en-US" dirty="0">
+                <a:latin typeface="Cordia New (Body)"/>
+              </a:rPr>
+              <a:t>SELECT column-lists FROM Table1 CROSS JOIN Table2; </a:t>
+            </a:r>
+          </a:p>
+          <a:p>
+            <a:r>
+              <a:rPr lang="th-TH" dirty="0">
+                <a:latin typeface="Cordia New (Body)"/>
+              </a:rPr>
+              <a:t>หรือ 	</a:t>
+            </a:r>
+            <a:r>
+              <a:rPr lang="en-US" dirty="0">
+                <a:latin typeface="Cordia New (Body)"/>
+              </a:rPr>
+              <a:t>SELECT [</a:t>
+            </a:r>
+            <a:r>
+              <a:rPr lang="en-US" dirty="0" err="1">
+                <a:latin typeface="Cordia New (Body)"/>
+              </a:rPr>
+              <a:t>column_list</a:t>
+            </a:r>
+            <a:r>
+              <a:rPr lang="en-US" dirty="0">
+                <a:latin typeface="Cordia New (Body)"/>
+              </a:rPr>
+              <a:t>|*]  FROM Table1, Table2; </a:t>
+            </a:r>
+          </a:p>
+          <a:p>
+            <a:r>
+              <a:rPr lang="th-TH" dirty="0">
+                <a:latin typeface="Cordia New (Body)"/>
+              </a:rPr>
+              <a:t>หรือ	</a:t>
+            </a:r>
+            <a:r>
+              <a:rPr lang="en-US" dirty="0">
+                <a:latin typeface="Cordia New (Body)"/>
+              </a:rPr>
+              <a:t>SELECT *  FROM Table1 INNER JOIN Table2 ON true; </a:t>
+            </a:r>
+          </a:p>
+          <a:p>
+            <a:r>
+              <a:rPr lang="th-TH" dirty="0">
+                <a:latin typeface="Cordia New (Body)"/>
+              </a:rPr>
+              <a:t>ตัวอย่างเช่น </a:t>
+            </a:r>
+            <a:r>
+              <a:rPr lang="en-US" dirty="0">
+                <a:latin typeface="Cordia New (Body)"/>
+              </a:rPr>
+              <a:t>:</a:t>
+            </a:r>
+            <a:r>
+              <a:rPr lang="th-TH" dirty="0">
+                <a:latin typeface="Cordia New (Body)"/>
+              </a:rPr>
+              <a:t> 		</a:t>
+            </a:r>
+            <a:r>
+              <a:rPr lang="en-US" dirty="0">
+                <a:latin typeface="Cordia New (Body)"/>
+              </a:rPr>
+              <a:t>SELECT *  </a:t>
+            </a:r>
+            <a:r>
+              <a:rPr lang="th-TH" dirty="0">
+                <a:latin typeface="Cordia New (Body)"/>
+              </a:rPr>
+              <a:t> </a:t>
+            </a:r>
+            <a:r>
+              <a:rPr lang="en-US" dirty="0">
+                <a:latin typeface="Cordia New (Body)"/>
+              </a:rPr>
+              <a:t>FROM “EMPLOYMENT”   CROSS JOIN “DEPARTMENT”;</a:t>
+            </a:r>
+          </a:p>
+          <a:p>
+            <a:r>
+              <a:rPr lang="th-TH" dirty="0">
+                <a:latin typeface="Cordia New (Body)"/>
+              </a:rPr>
+              <a:t>		</a:t>
+            </a:r>
+            <a:r>
+              <a:rPr lang="en-US" dirty="0">
+                <a:latin typeface="Cordia New (Body)"/>
+              </a:rPr>
+              <a:t> Select (*) from T1 CROSS JOIN T2</a:t>
+            </a:r>
+          </a:p>
+          <a:p>
+            <a:endParaRPr lang="th-TH" dirty="0">
+              <a:latin typeface="Cordia New (Body)"/>
+            </a:endParaRPr>
+          </a:p>
+          <a:p>
+            <a:r>
+              <a:rPr lang="en-US" dirty="0">
+                <a:latin typeface="Cordia New (Body)"/>
+              </a:rPr>
+              <a:t>Noted: </a:t>
+            </a:r>
+            <a:r>
+              <a:rPr lang="th-TH" dirty="0">
+                <a:latin typeface="Cordia New (Body)"/>
+              </a:rPr>
+              <a:t>เราสามารถประยุกต์ใช้ </a:t>
+            </a:r>
+            <a:r>
+              <a:rPr lang="en-US" dirty="0">
+                <a:latin typeface="Cordia New (Body)"/>
+              </a:rPr>
+              <a:t>CROSS JOIN </a:t>
+            </a:r>
+            <a:r>
+              <a:rPr lang="th-TH" dirty="0">
+                <a:latin typeface="Cordia New (Body)"/>
+              </a:rPr>
+              <a:t>ในการข้อมูลแบบการจัดการแข่งขันพบกันหมด (</a:t>
+            </a:r>
+            <a:r>
+              <a:rPr lang="en-US" dirty="0">
+                <a:latin typeface="Cordia New (Body)"/>
+              </a:rPr>
+              <a:t>round-robin tournament)</a:t>
+            </a:r>
+            <a:r>
+              <a:rPr lang="th-TH" dirty="0">
+                <a:latin typeface="Cordia New (Body)"/>
+              </a:rPr>
+              <a:t> ได้ด้วย</a:t>
+            </a:r>
+            <a:endParaRPr lang="en-US" dirty="0">
+              <a:latin typeface="Cordia New (Body)"/>
+            </a:endParaRPr>
+          </a:p>
+          <a:p>
+            <a:r>
+              <a:rPr lang="en-US" dirty="0">
+                <a:latin typeface="Cordia New (Body)"/>
+              </a:rPr>
+              <a:t>            </a:t>
+            </a:r>
+            <a:r>
+              <a:rPr lang="th-TH" dirty="0">
+                <a:latin typeface="Cordia New (Body)"/>
+              </a:rPr>
+              <a:t>ข้อควรระวังในการใช้ </a:t>
+            </a:r>
+            <a:r>
+              <a:rPr lang="en-US" dirty="0">
+                <a:latin typeface="Cordia New (Body)"/>
+              </a:rPr>
+              <a:t>CROSS JOIN </a:t>
+            </a:r>
+            <a:r>
+              <a:rPr lang="th-TH" dirty="0">
+                <a:latin typeface="Cordia New (Body)"/>
+              </a:rPr>
+              <a:t>กับตารางที่มี </a:t>
+            </a:r>
+            <a:r>
+              <a:rPr lang="en-US" dirty="0">
+                <a:latin typeface="Cordia New (Body)"/>
+              </a:rPr>
+              <a:t>JOIN </a:t>
+            </a:r>
+            <a:r>
+              <a:rPr lang="th-TH" dirty="0">
+                <a:latin typeface="Cordia New (Body)"/>
+              </a:rPr>
+              <a:t>อื่นอย่าง </a:t>
+            </a:r>
+            <a:r>
+              <a:rPr lang="en-US" dirty="0">
+                <a:latin typeface="Cordia New (Body)"/>
+              </a:rPr>
+              <a:t>INNER JOIN </a:t>
+            </a:r>
+            <a:r>
+              <a:rPr lang="th-TH" dirty="0">
+                <a:latin typeface="Cordia New (Body)"/>
+              </a:rPr>
+              <a:t>รวมอยู่ใน 1 ชุด </a:t>
+            </a:r>
+            <a:r>
+              <a:rPr lang="en-US" dirty="0">
+                <a:latin typeface="Cordia New (Body)"/>
+              </a:rPr>
+              <a:t>query </a:t>
+            </a:r>
+            <a:r>
+              <a:rPr lang="th-TH" dirty="0">
+                <a:latin typeface="Cordia New (Body)"/>
+              </a:rPr>
+              <a:t>ตัวอย่างเช่น เงื่อนไข </a:t>
+            </a:r>
+            <a:r>
+              <a:rPr lang="en-US" dirty="0">
+                <a:latin typeface="Cordia New (Body)"/>
+              </a:rPr>
+              <a:t>FROM T1 CROSS JOIN T2 INNER JOIN T3 ON </a:t>
+            </a:r>
+            <a:r>
+              <a:rPr lang="th-TH" dirty="0">
+                <a:latin typeface="Cordia New (Body)"/>
+              </a:rPr>
+              <a:t>ไม่เหมือนกับเงื่อนไข </a:t>
+            </a:r>
+            <a:r>
+              <a:rPr lang="en-US" dirty="0">
+                <a:latin typeface="Cordia New (Body)"/>
+              </a:rPr>
+              <a:t>FROM T1, T2 INNER JOIN T3 ON </a:t>
+            </a:r>
+            <a:r>
+              <a:rPr lang="th-TH" dirty="0">
+                <a:latin typeface="Cordia New (Body)"/>
+              </a:rPr>
+              <a:t>เนื่องจากเงื่อนไขสามารถอ้างอิง </a:t>
+            </a:r>
+            <a:r>
+              <a:rPr lang="en-US" dirty="0">
+                <a:latin typeface="Cordia New (Body)"/>
+              </a:rPr>
+              <a:t>T1 </a:t>
+            </a:r>
+            <a:r>
+              <a:rPr lang="th-TH" dirty="0">
+                <a:latin typeface="Cordia New (Body)"/>
+              </a:rPr>
+              <a:t>ในกรณีแรกได้ แต่ไม่ใช่กรณีที่สอง</a:t>
+            </a:r>
+            <a:r>
+              <a:rPr lang="en-US" dirty="0">
+                <a:latin typeface="Cordia New (Body)"/>
+              </a:rPr>
+              <a:t> </a:t>
+            </a:r>
+            <a:r>
+              <a:rPr lang="th-TH" dirty="0">
+                <a:latin typeface="Cordia New (Body)"/>
+              </a:rPr>
+              <a:t>เป็นต้น</a:t>
+            </a:r>
+            <a:endParaRPr lang="en-US" dirty="0">
+              <a:latin typeface="Cordia New (Body)"/>
+            </a:endParaRPr>
+          </a:p>
+          <a:p>
+            <a:endParaRPr lang="en-US" dirty="0">
+              <a:latin typeface="Cordia New (Body)"/>
+            </a:endParaRPr>
+          </a:p>
+          <a:p>
+            <a:endParaRPr lang="en-US" dirty="0">
+              <a:latin typeface="Cordia New (Body)"/>
+            </a:endParaRPr>
+          </a:p>
+          <a:p>
+            <a:endParaRPr lang="en-US" dirty="0">
+              <a:latin typeface="Cordia New (Body)"/>
+            </a:endParaRPr>
+          </a:p>
+        </p:txBody>
+      </p:sp>
+      <p:sp>
+        <p:nvSpPr>
+          <p:cNvPr id="3" name="Slide Number Placeholder 2">
+            <a:extLst>
+              <a:ext uri="{FF2B5EF4-FFF2-40B4-BE49-F238E27FC236}">
+                <a16:creationId xmlns:a16="http://schemas.microsoft.com/office/drawing/2014/main" id="{40F633A9-8075-9C14-7185-C7C7238E6455}"/>
+              </a:ext>
+            </a:extLst>
+          </p:cNvPr>
+          <p:cNvSpPr>
+            <a:spLocks noGrp="1"/>
+          </p:cNvSpPr>
+          <p:nvPr>
+            <p:ph type="sldNum" sz="quarter" idx="12"/>
+          </p:nvPr>
+        </p:nvSpPr>
+        <p:spPr/>
+        <p:txBody>
+          <a:bodyPr/>
+          <a:lstStyle/>
+          <a:p>
+            <a:fld id="{3A98EE3D-8CD1-4C3F-BD1C-C98C9596463C}" type="slidenum">
+              <a:rPr lang="en-US" smtClean="0"/>
+              <a:t>26</a:t>
+            </a:fld>
+            <a:endParaRPr lang="en-US" dirty="0"/>
+          </a:p>
+        </p:txBody>
+      </p:sp>
+      <p:pic>
+        <p:nvPicPr>
+          <p:cNvPr id="3074" name="Picture 2" descr="PostgreSQL CROSS JOIN illustration">
+            <a:extLst>
+              <a:ext uri="{FF2B5EF4-FFF2-40B4-BE49-F238E27FC236}">
+                <a16:creationId xmlns:a16="http://schemas.microsoft.com/office/drawing/2014/main" id="{E8779613-C2C9-CBD1-0AE5-8997AD97F25D}"/>
+              </a:ext>
+            </a:extLst>
+          </p:cNvPr>
+          <p:cNvPicPr>
+            <a:picLocks noChangeAspect="1" noChangeArrowheads="1"/>
+          </p:cNvPicPr>
+          <p:nvPr/>
+        </p:nvPicPr>
+        <p:blipFill>
+          <a:blip r:embed="rId3">
+            <a:extLst>
+              <a:ext uri="{28A0092B-C50C-407E-A947-70E740481C1C}">
+                <a14:useLocalDpi xmlns:a14="http://schemas.microsoft.com/office/drawing/2010/main" val="0"/>
+              </a:ext>
+            </a:extLst>
+          </a:blip>
+          <a:srcRect/>
+          <a:stretch>
+            <a:fillRect/>
+          </a:stretch>
+        </p:blipFill>
+        <p:spPr bwMode="auto">
+          <a:xfrm>
+            <a:off x="9385300" y="482599"/>
+            <a:ext cx="2371272" cy="2850855"/>
+          </a:xfrm>
+          <a:prstGeom prst="rect">
+            <a:avLst/>
+          </a:prstGeom>
+          <a:noFill/>
+          <a:extLst>
+            <a:ext uri="{909E8E84-426E-40DD-AFC4-6F175D3DCCD1}">
+              <a14:hiddenFill xmlns:a14="http://schemas.microsoft.com/office/drawing/2010/main">
+                <a:solidFill>
+                  <a:srgbClr val="FFFFFF"/>
+                </a:solidFill>
+              </a14:hiddenFill>
+            </a:ext>
+          </a:extLst>
+        </p:spPr>
+      </p:pic>
+    </p:spTree>
+    <p:extLst>
+      <p:ext uri="{BB962C8B-B14F-4D97-AF65-F5344CB8AC3E}">
+        <p14:creationId xmlns:p14="http://schemas.microsoft.com/office/powerpoint/2010/main" val="998780600"/>
+      </p:ext>
+    </p:extLst>
+  </p:cSld>
+  <p:clrMapOvr>
+    <a:masterClrMapping/>
+  </p:clrMapOvr>
+</p:sld>
+</file>
+
+<file path=ppt/slides/slide27.xml><?xml version="1.0" encoding="utf-8"?>
+<p:sld xmlns:a="http://schemas.openxmlformats.org/drawingml/2006/main" xmlns:r="http://schemas.openxmlformats.org/officeDocument/2006/relationships" xmlns:p="http://schemas.openxmlformats.org/presentationml/2006/main">
+  <p:cSld>
+    <p:spTree>
+      <p:nvGrpSpPr>
+        <p:cNvPr id="1" name=""/>
+        <p:cNvGrpSpPr/>
+        <p:nvPr/>
+      </p:nvGrpSpPr>
+      <p:grpSpPr>
+        <a:xfrm>
+          <a:off x="0" y="0"/>
+          <a:ext cx="0" cy="0"/>
+          <a:chOff x="0" y="0"/>
+          <a:chExt cx="0" cy="0"/>
+        </a:xfrm>
+      </p:grpSpPr>
+      <p:sp>
+        <p:nvSpPr>
           <p:cNvPr id="6" name="Date Placeholder 5">
             <a:extLst>
               <a:ext uri="{FF2B5EF4-FFF2-40B4-BE49-F238E27FC236}">
@@ -32989,7 +35220,7 @@
             <a:fld id="{A49DFD55-3C28-40EF-9E31-A92D2E4017FF}" type="slidenum">
               <a:rPr lang="en-US" smtClean="0"/>
               <a:pPr/>
-              <a:t>25</a:t>
+              <a:t>27</a:t>
             </a:fld>
             <a:endParaRPr lang="en-US" dirty="0"/>
           </a:p>
@@ -34253,7 +36484,7 @@
 </p:sld>
 </file>
 
-<file path=ppt/slides/slide26.xml><?xml version="1.0" encoding="utf-8"?>
+<file path=ppt/slides/slide28.xml><?xml version="1.0" encoding="utf-8"?>
 <p:sld xmlns:a="http://schemas.openxmlformats.org/drawingml/2006/main" xmlns:r="http://schemas.openxmlformats.org/officeDocument/2006/relationships" xmlns:p="http://schemas.openxmlformats.org/presentationml/2006/main">
   <p:cSld>
     <p:spTree>
@@ -34401,7 +36632,7 @@
             <a:fld id="{A49DFD55-3C28-40EF-9E31-A92D2E4017FF}" type="slidenum">
               <a:rPr lang="en-US" smtClean="0"/>
               <a:pPr/>
-              <a:t>26</a:t>
+              <a:t>28</a:t>
             </a:fld>
             <a:endParaRPr lang="en-US" dirty="0"/>
           </a:p>
@@ -40565,7 +42796,7 @@
 </p:sld>
 </file>
 
-<file path=ppt/slides/slide27.xml><?xml version="1.0" encoding="utf-8"?>
+<file path=ppt/slides/slide29.xml><?xml version="1.0" encoding="utf-8"?>
 <p:sld xmlns:a="http://schemas.openxmlformats.org/drawingml/2006/main" xmlns:r="http://schemas.openxmlformats.org/officeDocument/2006/relationships" xmlns:p="http://schemas.openxmlformats.org/presentationml/2006/main">
   <p:cSld>
     <p:spTree>
@@ -41537,7 +43768,7 @@
             <a:fld id="{A49DFD55-3C28-40EF-9E31-A92D2E4017FF}" type="slidenum">
               <a:rPr lang="en-US" smtClean="0"/>
               <a:pPr/>
-              <a:t>27</a:t>
+              <a:t>29</a:t>
             </a:fld>
             <a:endParaRPr lang="en-US" dirty="0"/>
           </a:p>
@@ -42272,612 +44503,6 @@
 </p:sld>
 </file>
 
-<file path=ppt/slides/slide28.xml><?xml version="1.0" encoding="utf-8"?>
-<p:sld xmlns:a="http://schemas.openxmlformats.org/drawingml/2006/main" xmlns:r="http://schemas.openxmlformats.org/officeDocument/2006/relationships" xmlns:p="http://schemas.openxmlformats.org/presentationml/2006/main">
-  <p:cSld>
-    <p:spTree>
-      <p:nvGrpSpPr>
-        <p:cNvPr id="1" name=""/>
-        <p:cNvGrpSpPr/>
-        <p:nvPr/>
-      </p:nvGrpSpPr>
-      <p:grpSpPr>
-        <a:xfrm>
-          <a:off x="0" y="0"/>
-          <a:ext cx="0" cy="0"/>
-          <a:chOff x="0" y="0"/>
-          <a:chExt cx="0" cy="0"/>
-        </a:xfrm>
-      </p:grpSpPr>
-      <p:sp>
-        <p:nvSpPr>
-          <p:cNvPr id="2" name="Title 1">
-            <a:extLst>
-              <a:ext uri="{FF2B5EF4-FFF2-40B4-BE49-F238E27FC236}">
-                <a16:creationId xmlns:a16="http://schemas.microsoft.com/office/drawing/2014/main" id="{09140014-73D5-419B-8867-972BB18D52D4}"/>
-              </a:ext>
-            </a:extLst>
-          </p:cNvPr>
-          <p:cNvSpPr>
-            <a:spLocks noGrp="1"/>
-          </p:cNvSpPr>
-          <p:nvPr>
-            <p:ph type="title"/>
-          </p:nvPr>
-        </p:nvSpPr>
-        <p:spPr>
-          <a:xfrm>
-            <a:off x="2933700" y="892177"/>
-            <a:ext cx="8421688" cy="1325563"/>
-          </a:xfrm>
-        </p:spPr>
-        <p:txBody>
-          <a:bodyPr/>
-          <a:lstStyle/>
-          <a:p>
-            <a:endParaRPr lang="en-US" dirty="0"/>
-          </a:p>
-        </p:txBody>
-      </p:sp>
-      <p:sp>
-        <p:nvSpPr>
-          <p:cNvPr id="3" name="Text Placeholder 2">
-            <a:extLst>
-              <a:ext uri="{FF2B5EF4-FFF2-40B4-BE49-F238E27FC236}">
-                <a16:creationId xmlns:a16="http://schemas.microsoft.com/office/drawing/2014/main" id="{A45AD8B9-3719-4696-A80F-16A618C5D134}"/>
-              </a:ext>
-            </a:extLst>
-          </p:cNvPr>
-          <p:cNvSpPr>
-            <a:spLocks noGrp="1"/>
-          </p:cNvSpPr>
-          <p:nvPr>
-            <p:ph type="body" idx="1"/>
-          </p:nvPr>
-        </p:nvSpPr>
-        <p:spPr>
-          <a:xfrm>
-            <a:off x="2933700" y="2776936"/>
-            <a:ext cx="3924300" cy="823912"/>
-          </a:xfrm>
-        </p:spPr>
-        <p:txBody>
-          <a:bodyPr/>
-          <a:lstStyle/>
-          <a:p>
-            <a:r>
-              <a:rPr lang="en-US" dirty="0">
-                <a:hlinkClick r:id="rId2"/>
-              </a:rPr>
-              <a:t>Sample PL/SQL Programs</a:t>
-            </a:r>
-            <a:endParaRPr lang="en-US" dirty="0"/>
-          </a:p>
-          <a:p>
-            <a:endParaRPr lang="en-US" dirty="0"/>
-          </a:p>
-        </p:txBody>
-      </p:sp>
-      <p:sp>
-        <p:nvSpPr>
-          <p:cNvPr id="4" name="Content Placeholder 3">
-            <a:extLst>
-              <a:ext uri="{FF2B5EF4-FFF2-40B4-BE49-F238E27FC236}">
-                <a16:creationId xmlns:a16="http://schemas.microsoft.com/office/drawing/2014/main" id="{33D8731E-4977-402E-8BFD-895B4D0544CC}"/>
-              </a:ext>
-            </a:extLst>
-          </p:cNvPr>
-          <p:cNvSpPr>
-            <a:spLocks noGrp="1"/>
-          </p:cNvSpPr>
-          <p:nvPr>
-            <p:ph sz="half" idx="2"/>
-          </p:nvPr>
-        </p:nvSpPr>
-        <p:spPr>
-          <a:xfrm>
-            <a:off x="2933700" y="3834606"/>
-            <a:ext cx="3924300" cy="1997867"/>
-          </a:xfrm>
-        </p:spPr>
-        <p:txBody>
-          <a:bodyPr>
-            <a:normAutofit/>
-          </a:bodyPr>
-          <a:lstStyle/>
-          <a:p>
-            <a:endParaRPr lang="en-US" sz="2000" dirty="0"/>
-          </a:p>
-        </p:txBody>
-      </p:sp>
-      <p:sp>
-        <p:nvSpPr>
-          <p:cNvPr id="5" name="Text Placeholder 4">
-            <a:extLst>
-              <a:ext uri="{FF2B5EF4-FFF2-40B4-BE49-F238E27FC236}">
-                <a16:creationId xmlns:a16="http://schemas.microsoft.com/office/drawing/2014/main" id="{91CDEC5F-B8EE-4BC1-843F-13135E6E7AB2}"/>
-              </a:ext>
-            </a:extLst>
-          </p:cNvPr>
-          <p:cNvSpPr>
-            <a:spLocks noGrp="1"/>
-          </p:cNvSpPr>
-          <p:nvPr>
-            <p:ph type="body" sz="quarter" idx="3"/>
-          </p:nvPr>
-        </p:nvSpPr>
-        <p:spPr>
-          <a:xfrm>
-            <a:off x="7410173" y="2776936"/>
-            <a:ext cx="3943627" cy="823912"/>
-          </a:xfrm>
-        </p:spPr>
-        <p:txBody>
-          <a:bodyPr/>
-          <a:lstStyle/>
-          <a:p>
-            <a:r>
-              <a:rPr lang="en-US" b="0" i="0" dirty="0">
-                <a:solidFill>
-                  <a:srgbClr val="4F4F4F"/>
-                </a:solidFill>
-                <a:effectLst/>
-                <a:latin typeface="Tenorite (Headings)"/>
-                <a:hlinkClick r:id="rId3"/>
-              </a:rPr>
-              <a:t>Overview of PL/SQL</a:t>
-            </a:r>
-            <a:endParaRPr lang="en-US" b="0" i="0" dirty="0">
-              <a:solidFill>
-                <a:srgbClr val="4F4F4F"/>
-              </a:solidFill>
-              <a:effectLst/>
-              <a:latin typeface="Tenorite (Headings)"/>
-            </a:endParaRPr>
-          </a:p>
-          <a:p>
-            <a:endParaRPr lang="en-US" dirty="0"/>
-          </a:p>
-        </p:txBody>
-      </p:sp>
-      <p:sp>
-        <p:nvSpPr>
-          <p:cNvPr id="6" name="Content Placeholder 5">
-            <a:extLst>
-              <a:ext uri="{FF2B5EF4-FFF2-40B4-BE49-F238E27FC236}">
-                <a16:creationId xmlns:a16="http://schemas.microsoft.com/office/drawing/2014/main" id="{50B65871-FA95-449A-B8BC-90486DE532EF}"/>
-              </a:ext>
-            </a:extLst>
-          </p:cNvPr>
-          <p:cNvSpPr>
-            <a:spLocks noGrp="1"/>
-          </p:cNvSpPr>
-          <p:nvPr>
-            <p:ph sz="quarter" idx="4"/>
-          </p:nvPr>
-        </p:nvSpPr>
-        <p:spPr>
-          <a:xfrm>
-            <a:off x="7410173" y="3834606"/>
-            <a:ext cx="3943627" cy="1997867"/>
-          </a:xfrm>
-        </p:spPr>
-        <p:txBody>
-          <a:bodyPr>
-            <a:normAutofit/>
-          </a:bodyPr>
-          <a:lstStyle/>
-          <a:p>
-            <a:endParaRPr lang="en-US" sz="2000" dirty="0"/>
-          </a:p>
-        </p:txBody>
-      </p:sp>
-      <p:sp>
-        <p:nvSpPr>
-          <p:cNvPr id="7" name="Date Placeholder 6">
-            <a:extLst>
-              <a:ext uri="{FF2B5EF4-FFF2-40B4-BE49-F238E27FC236}">
-                <a16:creationId xmlns:a16="http://schemas.microsoft.com/office/drawing/2014/main" id="{B2A46C4A-D036-4440-BB64-6754F4FF27C1}"/>
-              </a:ext>
-            </a:extLst>
-          </p:cNvPr>
-          <p:cNvSpPr>
-            <a:spLocks noGrp="1"/>
-          </p:cNvSpPr>
-          <p:nvPr>
-            <p:ph type="dt" sz="half" idx="10"/>
-          </p:nvPr>
-        </p:nvSpPr>
-        <p:spPr>
-          <a:xfrm>
-            <a:off x="838200" y="6356350"/>
-            <a:ext cx="2743200" cy="365125"/>
-          </a:xfrm>
-        </p:spPr>
-        <p:txBody>
-          <a:bodyPr/>
-          <a:lstStyle/>
-          <a:p>
-            <a:r>
-              <a:rPr lang="en-US" dirty="0"/>
-              <a:t>20XX</a:t>
-            </a:r>
-          </a:p>
-        </p:txBody>
-      </p:sp>
-      <p:sp>
-        <p:nvSpPr>
-          <p:cNvPr id="8" name="Footer Placeholder 7">
-            <a:extLst>
-              <a:ext uri="{FF2B5EF4-FFF2-40B4-BE49-F238E27FC236}">
-                <a16:creationId xmlns:a16="http://schemas.microsoft.com/office/drawing/2014/main" id="{905F172A-5D5D-43CD-A187-DA0D303F4144}"/>
-              </a:ext>
-            </a:extLst>
-          </p:cNvPr>
-          <p:cNvSpPr>
-            <a:spLocks noGrp="1"/>
-          </p:cNvSpPr>
-          <p:nvPr>
-            <p:ph type="ftr" sz="quarter" idx="11"/>
-          </p:nvPr>
-        </p:nvSpPr>
-        <p:spPr>
-          <a:xfrm>
-            <a:off x="4038600" y="6356350"/>
-            <a:ext cx="4114800" cy="365125"/>
-          </a:xfrm>
-        </p:spPr>
-        <p:txBody>
-          <a:bodyPr/>
-          <a:lstStyle/>
-          <a:p>
-            <a:r>
-              <a:rPr lang="en-US" dirty="0"/>
-              <a:t>PRESENTATION TITLE</a:t>
-            </a:r>
-          </a:p>
-        </p:txBody>
-      </p:sp>
-      <p:sp>
-        <p:nvSpPr>
-          <p:cNvPr id="9" name="Slide Number Placeholder 8">
-            <a:extLst>
-              <a:ext uri="{FF2B5EF4-FFF2-40B4-BE49-F238E27FC236}">
-                <a16:creationId xmlns:a16="http://schemas.microsoft.com/office/drawing/2014/main" id="{C396FFDC-ADE8-4009-A466-A81787258E88}"/>
-              </a:ext>
-            </a:extLst>
-          </p:cNvPr>
-          <p:cNvSpPr>
-            <a:spLocks noGrp="1"/>
-          </p:cNvSpPr>
-          <p:nvPr>
-            <p:ph type="sldNum" sz="quarter" idx="12"/>
-          </p:nvPr>
-        </p:nvSpPr>
-        <p:spPr>
-          <a:xfrm>
-            <a:off x="8610600" y="6356350"/>
-            <a:ext cx="2743200" cy="365125"/>
-          </a:xfrm>
-        </p:spPr>
-        <p:txBody>
-          <a:bodyPr/>
-          <a:lstStyle/>
-          <a:p>
-            <a:fld id="{A49DFD55-3C28-40EF-9E31-A92D2E4017FF}" type="slidenum">
-              <a:rPr lang="en-US" smtClean="0"/>
-              <a:pPr/>
-              <a:t>28</a:t>
-            </a:fld>
-            <a:endParaRPr lang="en-US" dirty="0"/>
-          </a:p>
-        </p:txBody>
-      </p:sp>
-    </p:spTree>
-    <p:extLst>
-      <p:ext uri="{BB962C8B-B14F-4D97-AF65-F5344CB8AC3E}">
-        <p14:creationId xmlns:p14="http://schemas.microsoft.com/office/powerpoint/2010/main" val="1663780162"/>
-      </p:ext>
-    </p:extLst>
-  </p:cSld>
-  <p:clrMapOvr>
-    <a:masterClrMapping/>
-  </p:clrMapOvr>
-</p:sld>
-</file>
-
-<file path=ppt/slides/slide29.xml><?xml version="1.0" encoding="utf-8"?>
-<p:sld xmlns:a="http://schemas.openxmlformats.org/drawingml/2006/main" xmlns:r="http://schemas.openxmlformats.org/officeDocument/2006/relationships" xmlns:p="http://schemas.openxmlformats.org/presentationml/2006/main">
-  <p:cSld>
-    <p:spTree>
-      <p:nvGrpSpPr>
-        <p:cNvPr id="1" name=""/>
-        <p:cNvGrpSpPr/>
-        <p:nvPr/>
-      </p:nvGrpSpPr>
-      <p:grpSpPr>
-        <a:xfrm>
-          <a:off x="0" y="0"/>
-          <a:ext cx="0" cy="0"/>
-          <a:chOff x="0" y="0"/>
-          <a:chExt cx="0" cy="0"/>
-        </a:xfrm>
-      </p:grpSpPr>
-      <p:sp>
-        <p:nvSpPr>
-          <p:cNvPr id="2" name="Title 1">
-            <a:extLst>
-              <a:ext uri="{FF2B5EF4-FFF2-40B4-BE49-F238E27FC236}">
-                <a16:creationId xmlns:a16="http://schemas.microsoft.com/office/drawing/2014/main" id="{8BDF1EDE-5423-435C-B149-87AB1BC22B83}"/>
-              </a:ext>
-            </a:extLst>
-          </p:cNvPr>
-          <p:cNvSpPr>
-            <a:spLocks noGrp="1"/>
-          </p:cNvSpPr>
-          <p:nvPr>
-            <p:ph type="ctrTitle"/>
-          </p:nvPr>
-        </p:nvSpPr>
-        <p:spPr>
-          <a:xfrm>
-            <a:off x="4267200" y="709803"/>
-            <a:ext cx="4179570" cy="526331"/>
-          </a:xfrm>
-        </p:spPr>
-        <p:txBody>
-          <a:bodyPr/>
-          <a:lstStyle/>
-          <a:p>
-            <a:r>
-              <a:rPr lang="en-US" dirty="0"/>
-              <a:t>THANK YOU</a:t>
-            </a:r>
-          </a:p>
-        </p:txBody>
-      </p:sp>
-      <p:sp>
-        <p:nvSpPr>
-          <p:cNvPr id="3" name="Subtitle 2">
-            <a:extLst>
-              <a:ext uri="{FF2B5EF4-FFF2-40B4-BE49-F238E27FC236}">
-                <a16:creationId xmlns:a16="http://schemas.microsoft.com/office/drawing/2014/main" id="{AF64C29E-DF30-4DC6-AB95-2016F9A703B6}"/>
-              </a:ext>
-            </a:extLst>
-          </p:cNvPr>
-          <p:cNvSpPr>
-            <a:spLocks noGrp="1"/>
-          </p:cNvSpPr>
-          <p:nvPr>
-            <p:ph type="subTitle" idx="1"/>
-          </p:nvPr>
-        </p:nvSpPr>
-        <p:spPr>
-          <a:xfrm>
-            <a:off x="3081867" y="1363133"/>
-            <a:ext cx="8795596" cy="3858572"/>
-          </a:xfrm>
-        </p:spPr>
-        <p:txBody>
-          <a:bodyPr>
-            <a:normAutofit/>
-          </a:bodyPr>
-          <a:lstStyle/>
-          <a:p>
-            <a:r>
-              <a:rPr lang="en-US" dirty="0"/>
-              <a:t>Get to know SQL, NoSQL, and NewSQL, three alternatives to today's database technologies &gt;&gt; </a:t>
-            </a:r>
-            <a:r>
-              <a:rPr lang="en-US" dirty="0">
-                <a:hlinkClick r:id="rId2"/>
-              </a:rPr>
-              <a:t>https://www.techtalkthai.com/introduce-sql-nosql-and-newsql-as-choices-of-database-technology/</a:t>
-            </a:r>
-            <a:endParaRPr lang="en-US" dirty="0"/>
-          </a:p>
-          <a:p>
-            <a:r>
-              <a:rPr lang="en-US" dirty="0"/>
-              <a:t>Oracle 11g Articles &gt;&gt; </a:t>
-            </a:r>
-            <a:endParaRPr lang="en-US" dirty="0">
-              <a:hlinkClick r:id="rId3"/>
-            </a:endParaRPr>
-          </a:p>
-          <a:p>
-            <a:r>
-              <a:rPr lang="en-US" dirty="0">
-                <a:hlinkClick r:id="rId3"/>
-              </a:rPr>
-              <a:t>https://oracle-base.com/articles/11g/articles-11g</a:t>
-            </a:r>
-            <a:endParaRPr lang="th-TH" dirty="0"/>
-          </a:p>
-          <a:p>
-            <a:pPr algn="l"/>
-            <a:r>
-              <a:rPr lang="en-US" b="0" i="0" dirty="0">
-                <a:solidFill>
-                  <a:srgbClr val="D24541"/>
-                </a:solidFill>
-                <a:effectLst/>
-                <a:latin typeface="Tenorite (Body)"/>
-              </a:rPr>
-              <a:t>Oracle Database Online Documentation 11g  Release 2 (11.2)    </a:t>
-            </a:r>
-            <a:r>
-              <a:rPr lang="en-US" b="0" i="0" dirty="0">
-                <a:solidFill>
-                  <a:srgbClr val="727272"/>
-                </a:solidFill>
-                <a:effectLst/>
-                <a:latin typeface="Tenorite (Body)"/>
-              </a:rPr>
-              <a:t>Database Administration &gt;&gt; </a:t>
-            </a:r>
-            <a:endParaRPr lang="en-US" dirty="0">
-              <a:latin typeface="Tenorite (Body)"/>
-            </a:endParaRPr>
-          </a:p>
-          <a:p>
-            <a:r>
-              <a:rPr lang="en-US" dirty="0">
-                <a:hlinkClick r:id="rId4"/>
-              </a:rPr>
-              <a:t>https://docs.oracle.com/cd/E11882_01/nav/portal_4.htm</a:t>
-            </a:r>
-            <a:endParaRPr lang="en-US" dirty="0"/>
-          </a:p>
-          <a:p>
-            <a:endParaRPr lang="en-US" dirty="0"/>
-          </a:p>
-          <a:p>
-            <a:r>
-              <a:rPr lang="en-US" dirty="0"/>
-              <a:t>Email : </a:t>
-            </a:r>
-            <a:r>
-              <a:rPr lang="en-US" dirty="0">
-                <a:hlinkClick r:id="rId5"/>
-              </a:rPr>
-              <a:t>howtotailscompany@contoso.com</a:t>
-            </a:r>
-            <a:endParaRPr lang="en-US" dirty="0"/>
-          </a:p>
-          <a:p>
-            <a:r>
-              <a:rPr lang="en-US" dirty="0" err="1"/>
-              <a:t>Github</a:t>
-            </a:r>
-            <a:r>
-              <a:rPr lang="en-US" dirty="0"/>
-              <a:t> : </a:t>
-            </a:r>
-            <a:r>
-              <a:rPr lang="en-US" dirty="0">
-                <a:hlinkClick r:id="rId6"/>
-              </a:rPr>
-              <a:t>https://github.com/howtotailscompany/Oracle-PL-SQL</a:t>
-            </a:r>
-            <a:endParaRPr lang="en-US" dirty="0"/>
-          </a:p>
-        </p:txBody>
-      </p:sp>
-      <p:sp>
-        <p:nvSpPr>
-          <p:cNvPr id="4" name="Date Placeholder 3">
-            <a:extLst>
-              <a:ext uri="{FF2B5EF4-FFF2-40B4-BE49-F238E27FC236}">
-                <a16:creationId xmlns:a16="http://schemas.microsoft.com/office/drawing/2014/main" id="{A47C7382-18E7-4821-8C61-461D6BBE08FC}"/>
-              </a:ext>
-            </a:extLst>
-          </p:cNvPr>
-          <p:cNvSpPr>
-            <a:spLocks noGrp="1"/>
-          </p:cNvSpPr>
-          <p:nvPr>
-            <p:ph type="dt" sz="half" idx="10"/>
-          </p:nvPr>
-        </p:nvSpPr>
-        <p:spPr>
-          <a:xfrm>
-            <a:off x="4267200" y="6356350"/>
-            <a:ext cx="1774371" cy="365125"/>
-          </a:xfrm>
-        </p:spPr>
-        <p:txBody>
-          <a:bodyPr/>
-          <a:lstStyle/>
-          <a:p>
-            <a:r>
-              <a:rPr lang="en-US" dirty="0"/>
-              <a:t>20XX</a:t>
-            </a:r>
-          </a:p>
-        </p:txBody>
-      </p:sp>
-      <p:sp>
-        <p:nvSpPr>
-          <p:cNvPr id="5" name="Footer Placeholder 4">
-            <a:extLst>
-              <a:ext uri="{FF2B5EF4-FFF2-40B4-BE49-F238E27FC236}">
-                <a16:creationId xmlns:a16="http://schemas.microsoft.com/office/drawing/2014/main" id="{3990FA1B-5022-47AB-A0AE-8F5C5797997C}"/>
-              </a:ext>
-            </a:extLst>
-          </p:cNvPr>
-          <p:cNvSpPr>
-            <a:spLocks noGrp="1"/>
-          </p:cNvSpPr>
-          <p:nvPr>
-            <p:ph type="ftr" sz="quarter" idx="11"/>
-          </p:nvPr>
-        </p:nvSpPr>
-        <p:spPr>
-          <a:xfrm>
-            <a:off x="6479721" y="6356350"/>
-            <a:ext cx="2661557" cy="365125"/>
-          </a:xfrm>
-        </p:spPr>
-        <p:txBody>
-          <a:bodyPr/>
-          <a:lstStyle/>
-          <a:p>
-            <a:r>
-              <a:rPr lang="en-US" dirty="0"/>
-              <a:t>PRESENTATION TITLE</a:t>
-            </a:r>
-          </a:p>
-        </p:txBody>
-      </p:sp>
-      <p:sp>
-        <p:nvSpPr>
-          <p:cNvPr id="6" name="Slide Number Placeholder 5">
-            <a:extLst>
-              <a:ext uri="{FF2B5EF4-FFF2-40B4-BE49-F238E27FC236}">
-                <a16:creationId xmlns:a16="http://schemas.microsoft.com/office/drawing/2014/main" id="{4C127D99-645F-4FCF-9573-FDFE2A344FA9}"/>
-              </a:ext>
-            </a:extLst>
-          </p:cNvPr>
-          <p:cNvSpPr>
-            <a:spLocks noGrp="1"/>
-          </p:cNvSpPr>
-          <p:nvPr>
-            <p:ph type="sldNum" sz="quarter" idx="12"/>
-          </p:nvPr>
-        </p:nvSpPr>
-        <p:spPr>
-          <a:xfrm>
-            <a:off x="9579428" y="6356350"/>
-            <a:ext cx="1774371" cy="365125"/>
-          </a:xfrm>
-        </p:spPr>
-        <p:txBody>
-          <a:bodyPr/>
-          <a:lstStyle/>
-          <a:p>
-            <a:fld id="{A49DFD55-3C28-40EF-9E31-A92D2E4017FF}" type="slidenum">
-              <a:rPr lang="en-US" smtClean="0"/>
-              <a:pPr/>
-              <a:t>29</a:t>
-            </a:fld>
-            <a:endParaRPr lang="en-US" dirty="0"/>
-          </a:p>
-        </p:txBody>
-      </p:sp>
-    </p:spTree>
-    <p:extLst>
-      <p:ext uri="{BB962C8B-B14F-4D97-AF65-F5344CB8AC3E}">
-        <p14:creationId xmlns:p14="http://schemas.microsoft.com/office/powerpoint/2010/main" val="1969787568"/>
-      </p:ext>
-    </p:extLst>
-  </p:cSld>
-  <p:clrMapOvr>
-    <a:masterClrMapping/>
-  </p:clrMapOvr>
-</p:sld>
-</file>
-
 <file path=ppt/slides/slide3.xml><?xml version="1.0" encoding="utf-8"?>
 <p:sld xmlns:a="http://schemas.openxmlformats.org/drawingml/2006/main" xmlns:r="http://schemas.openxmlformats.org/officeDocument/2006/relationships" xmlns:p="http://schemas.openxmlformats.org/presentationml/2006/main">
   <p:cSld>
@@ -43162,6 +44787,612 @@
     <p:extLst>
       <p:ext uri="{BB962C8B-B14F-4D97-AF65-F5344CB8AC3E}">
         <p14:creationId xmlns:p14="http://schemas.microsoft.com/office/powerpoint/2010/main" val="3490155077"/>
+      </p:ext>
+    </p:extLst>
+  </p:cSld>
+  <p:clrMapOvr>
+    <a:masterClrMapping/>
+  </p:clrMapOvr>
+</p:sld>
+</file>
+
+<file path=ppt/slides/slide30.xml><?xml version="1.0" encoding="utf-8"?>
+<p:sld xmlns:a="http://schemas.openxmlformats.org/drawingml/2006/main" xmlns:r="http://schemas.openxmlformats.org/officeDocument/2006/relationships" xmlns:p="http://schemas.openxmlformats.org/presentationml/2006/main">
+  <p:cSld>
+    <p:spTree>
+      <p:nvGrpSpPr>
+        <p:cNvPr id="1" name=""/>
+        <p:cNvGrpSpPr/>
+        <p:nvPr/>
+      </p:nvGrpSpPr>
+      <p:grpSpPr>
+        <a:xfrm>
+          <a:off x="0" y="0"/>
+          <a:ext cx="0" cy="0"/>
+          <a:chOff x="0" y="0"/>
+          <a:chExt cx="0" cy="0"/>
+        </a:xfrm>
+      </p:grpSpPr>
+      <p:sp>
+        <p:nvSpPr>
+          <p:cNvPr id="2" name="Title 1">
+            <a:extLst>
+              <a:ext uri="{FF2B5EF4-FFF2-40B4-BE49-F238E27FC236}">
+                <a16:creationId xmlns:a16="http://schemas.microsoft.com/office/drawing/2014/main" id="{09140014-73D5-419B-8867-972BB18D52D4}"/>
+              </a:ext>
+            </a:extLst>
+          </p:cNvPr>
+          <p:cNvSpPr>
+            <a:spLocks noGrp="1"/>
+          </p:cNvSpPr>
+          <p:nvPr>
+            <p:ph type="title"/>
+          </p:nvPr>
+        </p:nvSpPr>
+        <p:spPr>
+          <a:xfrm>
+            <a:off x="2933700" y="892177"/>
+            <a:ext cx="8421688" cy="1325563"/>
+          </a:xfrm>
+        </p:spPr>
+        <p:txBody>
+          <a:bodyPr/>
+          <a:lstStyle/>
+          <a:p>
+            <a:endParaRPr lang="en-US" dirty="0"/>
+          </a:p>
+        </p:txBody>
+      </p:sp>
+      <p:sp>
+        <p:nvSpPr>
+          <p:cNvPr id="3" name="Text Placeholder 2">
+            <a:extLst>
+              <a:ext uri="{FF2B5EF4-FFF2-40B4-BE49-F238E27FC236}">
+                <a16:creationId xmlns:a16="http://schemas.microsoft.com/office/drawing/2014/main" id="{A45AD8B9-3719-4696-A80F-16A618C5D134}"/>
+              </a:ext>
+            </a:extLst>
+          </p:cNvPr>
+          <p:cNvSpPr>
+            <a:spLocks noGrp="1"/>
+          </p:cNvSpPr>
+          <p:nvPr>
+            <p:ph type="body" idx="1"/>
+          </p:nvPr>
+        </p:nvSpPr>
+        <p:spPr>
+          <a:xfrm>
+            <a:off x="2933700" y="2776936"/>
+            <a:ext cx="3924300" cy="823912"/>
+          </a:xfrm>
+        </p:spPr>
+        <p:txBody>
+          <a:bodyPr/>
+          <a:lstStyle/>
+          <a:p>
+            <a:r>
+              <a:rPr lang="en-US" dirty="0">
+                <a:hlinkClick r:id="rId2"/>
+              </a:rPr>
+              <a:t>Sample PL/SQL Programs</a:t>
+            </a:r>
+            <a:endParaRPr lang="en-US" dirty="0"/>
+          </a:p>
+          <a:p>
+            <a:endParaRPr lang="en-US" dirty="0"/>
+          </a:p>
+        </p:txBody>
+      </p:sp>
+      <p:sp>
+        <p:nvSpPr>
+          <p:cNvPr id="4" name="Content Placeholder 3">
+            <a:extLst>
+              <a:ext uri="{FF2B5EF4-FFF2-40B4-BE49-F238E27FC236}">
+                <a16:creationId xmlns:a16="http://schemas.microsoft.com/office/drawing/2014/main" id="{33D8731E-4977-402E-8BFD-895B4D0544CC}"/>
+              </a:ext>
+            </a:extLst>
+          </p:cNvPr>
+          <p:cNvSpPr>
+            <a:spLocks noGrp="1"/>
+          </p:cNvSpPr>
+          <p:nvPr>
+            <p:ph sz="half" idx="2"/>
+          </p:nvPr>
+        </p:nvSpPr>
+        <p:spPr>
+          <a:xfrm>
+            <a:off x="2933700" y="3834606"/>
+            <a:ext cx="3924300" cy="1997867"/>
+          </a:xfrm>
+        </p:spPr>
+        <p:txBody>
+          <a:bodyPr>
+            <a:normAutofit/>
+          </a:bodyPr>
+          <a:lstStyle/>
+          <a:p>
+            <a:endParaRPr lang="en-US" sz="2000" dirty="0"/>
+          </a:p>
+        </p:txBody>
+      </p:sp>
+      <p:sp>
+        <p:nvSpPr>
+          <p:cNvPr id="5" name="Text Placeholder 4">
+            <a:extLst>
+              <a:ext uri="{FF2B5EF4-FFF2-40B4-BE49-F238E27FC236}">
+                <a16:creationId xmlns:a16="http://schemas.microsoft.com/office/drawing/2014/main" id="{91CDEC5F-B8EE-4BC1-843F-13135E6E7AB2}"/>
+              </a:ext>
+            </a:extLst>
+          </p:cNvPr>
+          <p:cNvSpPr>
+            <a:spLocks noGrp="1"/>
+          </p:cNvSpPr>
+          <p:nvPr>
+            <p:ph type="body" sz="quarter" idx="3"/>
+          </p:nvPr>
+        </p:nvSpPr>
+        <p:spPr>
+          <a:xfrm>
+            <a:off x="7410173" y="2776936"/>
+            <a:ext cx="3943627" cy="823912"/>
+          </a:xfrm>
+        </p:spPr>
+        <p:txBody>
+          <a:bodyPr/>
+          <a:lstStyle/>
+          <a:p>
+            <a:r>
+              <a:rPr lang="en-US" b="0" i="0" dirty="0">
+                <a:solidFill>
+                  <a:srgbClr val="4F4F4F"/>
+                </a:solidFill>
+                <a:effectLst/>
+                <a:latin typeface="Tenorite (Headings)"/>
+                <a:hlinkClick r:id="rId3"/>
+              </a:rPr>
+              <a:t>Overview of PL/SQL</a:t>
+            </a:r>
+            <a:endParaRPr lang="en-US" b="0" i="0" dirty="0">
+              <a:solidFill>
+                <a:srgbClr val="4F4F4F"/>
+              </a:solidFill>
+              <a:effectLst/>
+              <a:latin typeface="Tenorite (Headings)"/>
+            </a:endParaRPr>
+          </a:p>
+          <a:p>
+            <a:endParaRPr lang="en-US" dirty="0"/>
+          </a:p>
+        </p:txBody>
+      </p:sp>
+      <p:sp>
+        <p:nvSpPr>
+          <p:cNvPr id="6" name="Content Placeholder 5">
+            <a:extLst>
+              <a:ext uri="{FF2B5EF4-FFF2-40B4-BE49-F238E27FC236}">
+                <a16:creationId xmlns:a16="http://schemas.microsoft.com/office/drawing/2014/main" id="{50B65871-FA95-449A-B8BC-90486DE532EF}"/>
+              </a:ext>
+            </a:extLst>
+          </p:cNvPr>
+          <p:cNvSpPr>
+            <a:spLocks noGrp="1"/>
+          </p:cNvSpPr>
+          <p:nvPr>
+            <p:ph sz="quarter" idx="4"/>
+          </p:nvPr>
+        </p:nvSpPr>
+        <p:spPr>
+          <a:xfrm>
+            <a:off x="7410173" y="3834606"/>
+            <a:ext cx="3943627" cy="1997867"/>
+          </a:xfrm>
+        </p:spPr>
+        <p:txBody>
+          <a:bodyPr>
+            <a:normAutofit/>
+          </a:bodyPr>
+          <a:lstStyle/>
+          <a:p>
+            <a:endParaRPr lang="en-US" sz="2000" dirty="0"/>
+          </a:p>
+        </p:txBody>
+      </p:sp>
+      <p:sp>
+        <p:nvSpPr>
+          <p:cNvPr id="7" name="Date Placeholder 6">
+            <a:extLst>
+              <a:ext uri="{FF2B5EF4-FFF2-40B4-BE49-F238E27FC236}">
+                <a16:creationId xmlns:a16="http://schemas.microsoft.com/office/drawing/2014/main" id="{B2A46C4A-D036-4440-BB64-6754F4FF27C1}"/>
+              </a:ext>
+            </a:extLst>
+          </p:cNvPr>
+          <p:cNvSpPr>
+            <a:spLocks noGrp="1"/>
+          </p:cNvSpPr>
+          <p:nvPr>
+            <p:ph type="dt" sz="half" idx="10"/>
+          </p:nvPr>
+        </p:nvSpPr>
+        <p:spPr>
+          <a:xfrm>
+            <a:off x="838200" y="6356350"/>
+            <a:ext cx="2743200" cy="365125"/>
+          </a:xfrm>
+        </p:spPr>
+        <p:txBody>
+          <a:bodyPr/>
+          <a:lstStyle/>
+          <a:p>
+            <a:r>
+              <a:rPr lang="en-US" dirty="0"/>
+              <a:t>20XX</a:t>
+            </a:r>
+          </a:p>
+        </p:txBody>
+      </p:sp>
+      <p:sp>
+        <p:nvSpPr>
+          <p:cNvPr id="8" name="Footer Placeholder 7">
+            <a:extLst>
+              <a:ext uri="{FF2B5EF4-FFF2-40B4-BE49-F238E27FC236}">
+                <a16:creationId xmlns:a16="http://schemas.microsoft.com/office/drawing/2014/main" id="{905F172A-5D5D-43CD-A187-DA0D303F4144}"/>
+              </a:ext>
+            </a:extLst>
+          </p:cNvPr>
+          <p:cNvSpPr>
+            <a:spLocks noGrp="1"/>
+          </p:cNvSpPr>
+          <p:nvPr>
+            <p:ph type="ftr" sz="quarter" idx="11"/>
+          </p:nvPr>
+        </p:nvSpPr>
+        <p:spPr>
+          <a:xfrm>
+            <a:off x="4038600" y="6356350"/>
+            <a:ext cx="4114800" cy="365125"/>
+          </a:xfrm>
+        </p:spPr>
+        <p:txBody>
+          <a:bodyPr/>
+          <a:lstStyle/>
+          <a:p>
+            <a:r>
+              <a:rPr lang="en-US" dirty="0"/>
+              <a:t>PRESENTATION TITLE</a:t>
+            </a:r>
+          </a:p>
+        </p:txBody>
+      </p:sp>
+      <p:sp>
+        <p:nvSpPr>
+          <p:cNvPr id="9" name="Slide Number Placeholder 8">
+            <a:extLst>
+              <a:ext uri="{FF2B5EF4-FFF2-40B4-BE49-F238E27FC236}">
+                <a16:creationId xmlns:a16="http://schemas.microsoft.com/office/drawing/2014/main" id="{C396FFDC-ADE8-4009-A466-A81787258E88}"/>
+              </a:ext>
+            </a:extLst>
+          </p:cNvPr>
+          <p:cNvSpPr>
+            <a:spLocks noGrp="1"/>
+          </p:cNvSpPr>
+          <p:nvPr>
+            <p:ph type="sldNum" sz="quarter" idx="12"/>
+          </p:nvPr>
+        </p:nvSpPr>
+        <p:spPr>
+          <a:xfrm>
+            <a:off x="8610600" y="6356350"/>
+            <a:ext cx="2743200" cy="365125"/>
+          </a:xfrm>
+        </p:spPr>
+        <p:txBody>
+          <a:bodyPr/>
+          <a:lstStyle/>
+          <a:p>
+            <a:fld id="{A49DFD55-3C28-40EF-9E31-A92D2E4017FF}" type="slidenum">
+              <a:rPr lang="en-US" smtClean="0"/>
+              <a:pPr/>
+              <a:t>30</a:t>
+            </a:fld>
+            <a:endParaRPr lang="en-US" dirty="0"/>
+          </a:p>
+        </p:txBody>
+      </p:sp>
+    </p:spTree>
+    <p:extLst>
+      <p:ext uri="{BB962C8B-B14F-4D97-AF65-F5344CB8AC3E}">
+        <p14:creationId xmlns:p14="http://schemas.microsoft.com/office/powerpoint/2010/main" val="1663780162"/>
+      </p:ext>
+    </p:extLst>
+  </p:cSld>
+  <p:clrMapOvr>
+    <a:masterClrMapping/>
+  </p:clrMapOvr>
+</p:sld>
+</file>
+
+<file path=ppt/slides/slide31.xml><?xml version="1.0" encoding="utf-8"?>
+<p:sld xmlns:a="http://schemas.openxmlformats.org/drawingml/2006/main" xmlns:r="http://schemas.openxmlformats.org/officeDocument/2006/relationships" xmlns:p="http://schemas.openxmlformats.org/presentationml/2006/main">
+  <p:cSld>
+    <p:spTree>
+      <p:nvGrpSpPr>
+        <p:cNvPr id="1" name=""/>
+        <p:cNvGrpSpPr/>
+        <p:nvPr/>
+      </p:nvGrpSpPr>
+      <p:grpSpPr>
+        <a:xfrm>
+          <a:off x="0" y="0"/>
+          <a:ext cx="0" cy="0"/>
+          <a:chOff x="0" y="0"/>
+          <a:chExt cx="0" cy="0"/>
+        </a:xfrm>
+      </p:grpSpPr>
+      <p:sp>
+        <p:nvSpPr>
+          <p:cNvPr id="2" name="Title 1">
+            <a:extLst>
+              <a:ext uri="{FF2B5EF4-FFF2-40B4-BE49-F238E27FC236}">
+                <a16:creationId xmlns:a16="http://schemas.microsoft.com/office/drawing/2014/main" id="{8BDF1EDE-5423-435C-B149-87AB1BC22B83}"/>
+              </a:ext>
+            </a:extLst>
+          </p:cNvPr>
+          <p:cNvSpPr>
+            <a:spLocks noGrp="1"/>
+          </p:cNvSpPr>
+          <p:nvPr>
+            <p:ph type="ctrTitle"/>
+          </p:nvPr>
+        </p:nvSpPr>
+        <p:spPr>
+          <a:xfrm>
+            <a:off x="4267200" y="709803"/>
+            <a:ext cx="4179570" cy="526331"/>
+          </a:xfrm>
+        </p:spPr>
+        <p:txBody>
+          <a:bodyPr/>
+          <a:lstStyle/>
+          <a:p>
+            <a:r>
+              <a:rPr lang="en-US" dirty="0"/>
+              <a:t>THANK YOU</a:t>
+            </a:r>
+          </a:p>
+        </p:txBody>
+      </p:sp>
+      <p:sp>
+        <p:nvSpPr>
+          <p:cNvPr id="3" name="Subtitle 2">
+            <a:extLst>
+              <a:ext uri="{FF2B5EF4-FFF2-40B4-BE49-F238E27FC236}">
+                <a16:creationId xmlns:a16="http://schemas.microsoft.com/office/drawing/2014/main" id="{AF64C29E-DF30-4DC6-AB95-2016F9A703B6}"/>
+              </a:ext>
+            </a:extLst>
+          </p:cNvPr>
+          <p:cNvSpPr>
+            <a:spLocks noGrp="1"/>
+          </p:cNvSpPr>
+          <p:nvPr>
+            <p:ph type="subTitle" idx="1"/>
+          </p:nvPr>
+        </p:nvSpPr>
+        <p:spPr>
+          <a:xfrm>
+            <a:off x="3081867" y="1363133"/>
+            <a:ext cx="8795596" cy="3858572"/>
+          </a:xfrm>
+        </p:spPr>
+        <p:txBody>
+          <a:bodyPr>
+            <a:normAutofit/>
+          </a:bodyPr>
+          <a:lstStyle/>
+          <a:p>
+            <a:r>
+              <a:rPr lang="en-US" dirty="0"/>
+              <a:t>Get to know SQL, NoSQL, and NewSQL, three alternatives to today's database technologies &gt;&gt; </a:t>
+            </a:r>
+            <a:r>
+              <a:rPr lang="en-US" dirty="0">
+                <a:hlinkClick r:id="rId2"/>
+              </a:rPr>
+              <a:t>https://www.techtalkthai.com/introduce-sql-nosql-and-newsql-as-choices-of-database-technology/</a:t>
+            </a:r>
+            <a:endParaRPr lang="en-US" dirty="0"/>
+          </a:p>
+          <a:p>
+            <a:r>
+              <a:rPr lang="en-US" dirty="0"/>
+              <a:t>Oracle 11g Articles &gt;&gt; </a:t>
+            </a:r>
+            <a:endParaRPr lang="en-US" dirty="0">
+              <a:hlinkClick r:id="rId3"/>
+            </a:endParaRPr>
+          </a:p>
+          <a:p>
+            <a:r>
+              <a:rPr lang="en-US" dirty="0">
+                <a:hlinkClick r:id="rId3"/>
+              </a:rPr>
+              <a:t>https://oracle-base.com/articles/11g/articles-11g</a:t>
+            </a:r>
+            <a:endParaRPr lang="th-TH" dirty="0"/>
+          </a:p>
+          <a:p>
+            <a:pPr algn="l"/>
+            <a:r>
+              <a:rPr lang="en-US" b="0" i="0" dirty="0">
+                <a:solidFill>
+                  <a:srgbClr val="D24541"/>
+                </a:solidFill>
+                <a:effectLst/>
+                <a:latin typeface="Tenorite (Body)"/>
+              </a:rPr>
+              <a:t>Oracle Database Online Documentation 11g  Release 2 (11.2)    </a:t>
+            </a:r>
+            <a:r>
+              <a:rPr lang="en-US" b="0" i="0" dirty="0">
+                <a:solidFill>
+                  <a:srgbClr val="727272"/>
+                </a:solidFill>
+                <a:effectLst/>
+                <a:latin typeface="Tenorite (Body)"/>
+              </a:rPr>
+              <a:t>Database Administration &gt;&gt; </a:t>
+            </a:r>
+            <a:endParaRPr lang="en-US" dirty="0">
+              <a:latin typeface="Tenorite (Body)"/>
+            </a:endParaRPr>
+          </a:p>
+          <a:p>
+            <a:r>
+              <a:rPr lang="en-US" dirty="0">
+                <a:hlinkClick r:id="rId4"/>
+              </a:rPr>
+              <a:t>https://docs.oracle.com/cd/E11882_01/nav/portal_4.htm</a:t>
+            </a:r>
+            <a:endParaRPr lang="en-US" dirty="0"/>
+          </a:p>
+          <a:p>
+            <a:endParaRPr lang="en-US" dirty="0"/>
+          </a:p>
+          <a:p>
+            <a:r>
+              <a:rPr lang="en-US" dirty="0"/>
+              <a:t>Email : </a:t>
+            </a:r>
+            <a:r>
+              <a:rPr lang="en-US" dirty="0">
+                <a:hlinkClick r:id="rId5"/>
+              </a:rPr>
+              <a:t>howtotailscompany@contoso.com</a:t>
+            </a:r>
+            <a:endParaRPr lang="en-US" dirty="0"/>
+          </a:p>
+          <a:p>
+            <a:r>
+              <a:rPr lang="en-US" dirty="0" err="1"/>
+              <a:t>Github</a:t>
+            </a:r>
+            <a:r>
+              <a:rPr lang="en-US" dirty="0"/>
+              <a:t> : </a:t>
+            </a:r>
+            <a:r>
+              <a:rPr lang="en-US" dirty="0">
+                <a:hlinkClick r:id="rId6"/>
+              </a:rPr>
+              <a:t>https://github.com/howtotailscompany/Oracle-PL-SQL</a:t>
+            </a:r>
+            <a:endParaRPr lang="en-US" dirty="0"/>
+          </a:p>
+        </p:txBody>
+      </p:sp>
+      <p:sp>
+        <p:nvSpPr>
+          <p:cNvPr id="4" name="Date Placeholder 3">
+            <a:extLst>
+              <a:ext uri="{FF2B5EF4-FFF2-40B4-BE49-F238E27FC236}">
+                <a16:creationId xmlns:a16="http://schemas.microsoft.com/office/drawing/2014/main" id="{A47C7382-18E7-4821-8C61-461D6BBE08FC}"/>
+              </a:ext>
+            </a:extLst>
+          </p:cNvPr>
+          <p:cNvSpPr>
+            <a:spLocks noGrp="1"/>
+          </p:cNvSpPr>
+          <p:nvPr>
+            <p:ph type="dt" sz="half" idx="10"/>
+          </p:nvPr>
+        </p:nvSpPr>
+        <p:spPr>
+          <a:xfrm>
+            <a:off x="4267200" y="6356350"/>
+            <a:ext cx="1774371" cy="365125"/>
+          </a:xfrm>
+        </p:spPr>
+        <p:txBody>
+          <a:bodyPr/>
+          <a:lstStyle/>
+          <a:p>
+            <a:r>
+              <a:rPr lang="en-US" dirty="0"/>
+              <a:t>20XX</a:t>
+            </a:r>
+          </a:p>
+        </p:txBody>
+      </p:sp>
+      <p:sp>
+        <p:nvSpPr>
+          <p:cNvPr id="5" name="Footer Placeholder 4">
+            <a:extLst>
+              <a:ext uri="{FF2B5EF4-FFF2-40B4-BE49-F238E27FC236}">
+                <a16:creationId xmlns:a16="http://schemas.microsoft.com/office/drawing/2014/main" id="{3990FA1B-5022-47AB-A0AE-8F5C5797997C}"/>
+              </a:ext>
+            </a:extLst>
+          </p:cNvPr>
+          <p:cNvSpPr>
+            <a:spLocks noGrp="1"/>
+          </p:cNvSpPr>
+          <p:nvPr>
+            <p:ph type="ftr" sz="quarter" idx="11"/>
+          </p:nvPr>
+        </p:nvSpPr>
+        <p:spPr>
+          <a:xfrm>
+            <a:off x="6479721" y="6356350"/>
+            <a:ext cx="2661557" cy="365125"/>
+          </a:xfrm>
+        </p:spPr>
+        <p:txBody>
+          <a:bodyPr/>
+          <a:lstStyle/>
+          <a:p>
+            <a:r>
+              <a:rPr lang="en-US" dirty="0"/>
+              <a:t>PRESENTATION TITLE</a:t>
+            </a:r>
+          </a:p>
+        </p:txBody>
+      </p:sp>
+      <p:sp>
+        <p:nvSpPr>
+          <p:cNvPr id="6" name="Slide Number Placeholder 5">
+            <a:extLst>
+              <a:ext uri="{FF2B5EF4-FFF2-40B4-BE49-F238E27FC236}">
+                <a16:creationId xmlns:a16="http://schemas.microsoft.com/office/drawing/2014/main" id="{4C127D99-645F-4FCF-9573-FDFE2A344FA9}"/>
+              </a:ext>
+            </a:extLst>
+          </p:cNvPr>
+          <p:cNvSpPr>
+            <a:spLocks noGrp="1"/>
+          </p:cNvSpPr>
+          <p:nvPr>
+            <p:ph type="sldNum" sz="quarter" idx="12"/>
+          </p:nvPr>
+        </p:nvSpPr>
+        <p:spPr>
+          <a:xfrm>
+            <a:off x="9579428" y="6356350"/>
+            <a:ext cx="1774371" cy="365125"/>
+          </a:xfrm>
+        </p:spPr>
+        <p:txBody>
+          <a:bodyPr/>
+          <a:lstStyle/>
+          <a:p>
+            <a:fld id="{A49DFD55-3C28-40EF-9E31-A92D2E4017FF}" type="slidenum">
+              <a:rPr lang="en-US" smtClean="0"/>
+              <a:pPr/>
+              <a:t>31</a:t>
+            </a:fld>
+            <a:endParaRPr lang="en-US" dirty="0"/>
+          </a:p>
+        </p:txBody>
+      </p:sp>
+    </p:spTree>
+    <p:extLst>
+      <p:ext uri="{BB962C8B-B14F-4D97-AF65-F5344CB8AC3E}">
+        <p14:creationId xmlns:p14="http://schemas.microsoft.com/office/powerpoint/2010/main" val="1969787568"/>
       </p:ext>
     </p:extLst>
   </p:cSld>
@@ -49271,15 +51502,6 @@
 </file>
 
 <file path=customXml/item2.xml><?xml version="1.0" encoding="utf-8"?>
-<?mso-contentType ?>
-<FormTemplates xmlns="http://schemas.microsoft.com/sharepoint/v3/contenttype/forms">
-  <Display>DocumentLibraryForm</Display>
-  <Edit>DocumentLibraryForm</Edit>
-  <New>DocumentLibraryForm</New>
-</FormTemplates>
-</file>
-
-<file path=customXml/item3.xml><?xml version="1.0" encoding="utf-8"?>
 <p:properties xmlns:p="http://schemas.microsoft.com/office/2006/metadata/properties" xmlns:xsi="http://www.w3.org/2001/XMLSchema-instance" xmlns:pc="http://schemas.microsoft.com/office/infopath/2007/PartnerControls">
   <documentManagement>
     <_ip_UnifiedCompliancePolicyUIAction xmlns="http://schemas.microsoft.com/sharepoint/v3" xsi:nil="true"/>
@@ -49296,6 +51518,15 @@
     <MediaServiceKeyPoints xmlns="71af3243-3dd4-4a8d-8c0d-dd76da1f02a5" xsi:nil="true"/>
   </documentManagement>
 </p:properties>
+</file>
+
+<file path=customXml/item3.xml><?xml version="1.0" encoding="utf-8"?>
+<?mso-contentType ?>
+<FormTemplates xmlns="http://schemas.microsoft.com/sharepoint/v3/contenttype/forms">
+  <Display>DocumentLibraryForm</Display>
+  <Edit>DocumentLibraryForm</Edit>
+  <New>DocumentLibraryForm</New>
+</FormTemplates>
 </file>
 
 <file path=customXml/itemProps1.xml><?xml version="1.0" encoding="utf-8"?>
@@ -49320,14 +51551,6 @@
 </file>
 
 <file path=customXml/itemProps2.xml><?xml version="1.0" encoding="utf-8"?>
-<ds:datastoreItem xmlns:ds="http://schemas.openxmlformats.org/officeDocument/2006/customXml" ds:itemID="{0FD6FE22-81A0-4500-AFD0-342D21BB9A2C}">
-  <ds:schemaRefs>
-    <ds:schemaRef ds:uri="http://schemas.microsoft.com/sharepoint/v3/contenttype/forms"/>
-  </ds:schemaRefs>
-</ds:datastoreItem>
-</file>
-
-<file path=customXml/itemProps3.xml><?xml version="1.0" encoding="utf-8"?>
 <ds:datastoreItem xmlns:ds="http://schemas.openxmlformats.org/officeDocument/2006/customXml" ds:itemID="{29C43685-694E-4579-B109-3C418D49DA65}">
   <ds:schemaRefs>
     <ds:schemaRef ds:uri="http://schemas.microsoft.com/office/2006/metadata/properties"/>
@@ -49339,6 +51562,14 @@
 </ds:datastoreItem>
 </file>
 
+<file path=customXml/itemProps3.xml><?xml version="1.0" encoding="utf-8"?>
+<ds:datastoreItem xmlns:ds="http://schemas.openxmlformats.org/officeDocument/2006/customXml" ds:itemID="{0FD6FE22-81A0-4500-AFD0-342D21BB9A2C}">
+  <ds:schemaRefs>
+    <ds:schemaRef ds:uri="http://schemas.microsoft.com/sharepoint/v3/contenttype/forms"/>
+  </ds:schemaRefs>
+</ds:datastoreItem>
+</file>
+
 <file path=docMetadata/LabelInfo.xml><?xml version="1.0" encoding="utf-8"?>
 <clbl:labelList xmlns:clbl="http://schemas.microsoft.com/office/2020/mipLabelMetadata">
   <clbl:label id="{f42aa342-8706-4288-bd11-ebb85995028c}" enabled="1" method="Standard" siteId="{72f988bf-86f1-41af-91ab-2d7cd011db47}" removed="0"/>
